--- a/presentatoin.pptx
+++ b/presentatoin.pptx
@@ -1,33 +1,38 @@
 
 <file path=ppt/presentation.xml><?xml version="1.0" encoding="utf-8"?>
-<p:presentation xmlns:a="http://schemas.openxmlformats.org/drawingml/2006/main" xmlns:r="http://schemas.openxmlformats.org/officeDocument/2006/relationships" xmlns:p="http://schemas.openxmlformats.org/presentationml/2006/main" saveSubsetFonts="1" embedTrueTypeFonts="true">
+<p:presentation xmlns:a="http://schemas.openxmlformats.org/drawingml/2006/main" xmlns:r="http://schemas.openxmlformats.org/officeDocument/2006/relationships" xmlns:p="http://schemas.openxmlformats.org/presentationml/2006/main" embedTrueTypeFonts="1" saveSubsetFonts="1">
   <p:sldMasterIdLst>
     <p:sldMasterId id="2147483648" r:id="rId1"/>
   </p:sldMasterIdLst>
   <p:sldIdLst>
-    <p:sldId id="256" r:id="rId6"/>
-    <p:sldId id="257" r:id="rId7"/>
-    <p:sldId id="258" r:id="rId8"/>
-    <p:sldId id="259" r:id="rId9"/>
-    <p:sldId id="260" r:id="rId10"/>
-    <p:sldId id="261" r:id="rId11"/>
-    <p:sldId id="262" r:id="rId12"/>
-    <p:sldId id="263" r:id="rId13"/>
+    <p:sldId id="256" r:id="rId2"/>
+    <p:sldId id="257" r:id="rId3"/>
+    <p:sldId id="258" r:id="rId4"/>
+    <p:sldId id="264" r:id="rId5"/>
+    <p:sldId id="265" r:id="rId6"/>
+    <p:sldId id="260" r:id="rId7"/>
+    <p:sldId id="261" r:id="rId8"/>
+    <p:sldId id="262" r:id="rId9"/>
+    <p:sldId id="263" r:id="rId10"/>
   </p:sldIdLst>
   <p:sldSz cx="18288000" cy="10287000"/>
   <p:notesSz cx="6858000" cy="9144000"/>
   <p:embeddedFontLst>
     <p:embeddedFont>
-      <p:font typeface="DM Sans Bold" charset="1" panose="00000000000000000000"/>
-      <p:regular r:id="rId14"/>
+      <p:font typeface="Britannic Bold" panose="020B0903060703020204" pitchFamily="34" charset="0"/>
+      <p:regular r:id="rId11"/>
     </p:embeddedFont>
     <p:embeddedFont>
-      <p:font typeface="DM Sans" charset="1" panose="00000000000000000000"/>
-      <p:regular r:id="rId15"/>
+      <p:font typeface="Canva Sans Bold" panose="020B0604020202020204" charset="0"/>
+      <p:regular r:id="rId12"/>
     </p:embeddedFont>
     <p:embeddedFont>
-      <p:font typeface="Canva Sans Bold" charset="1" panose="020B0803030501040103"/>
-      <p:regular r:id="rId16"/>
+      <p:font typeface="DM Sans" pitchFamily="2" charset="0"/>
+      <p:regular r:id="rId13"/>
+    </p:embeddedFont>
+    <p:embeddedFont>
+      <p:font typeface="DM Sans Bold" panose="020B0604020202020204" charset="0"/>
+      <p:regular r:id="rId14"/>
     </p:embeddedFont>
   </p:embeddedFontLst>
   <p:defaultTextStyle>
@@ -125,6 +130,22 @@
       </a:defRPr>
     </a:lvl9pPr>
   </p:defaultTextStyle>
+  <p:extLst>
+    <p:ext uri="{EFAFB233-063F-42B5-8137-9DF3F51BA10A}">
+      <p15:sldGuideLst xmlns:p15="http://schemas.microsoft.com/office/powerpoint/2012/main">
+        <p15:guide id="1" orient="horz" pos="2160">
+          <p15:clr>
+            <a:srgbClr val="A4A3A4"/>
+          </p15:clr>
+        </p15:guide>
+        <p15:guide id="2" pos="2880">
+          <p15:clr>
+            <a:srgbClr val="A4A3A4"/>
+          </p15:clr>
+        </p15:guide>
+      </p15:sldGuideLst>
+    </p:ext>
+  </p:extLst>
 </p:presentation>
 </file>
 
@@ -166,10 +187,9 @@
           <a:lstStyle/>
           <a:p>
             <a:r>
-              <a:rPr lang="en-US" smtClean="0"/>
+              <a:rPr lang="en-US"/>
               <a:t>Click to edit Master title style</a:t>
             </a:r>
-            <a:endParaRPr lang="en-US"/>
           </a:p>
         </p:txBody>
       </p:sp>
@@ -285,10 +305,9 @@
           </a:lstStyle>
           <a:p>
             <a:r>
-              <a:rPr lang="en-US" smtClean="0"/>
+              <a:rPr lang="en-US"/>
               <a:t>Click to edit Master subtitle style</a:t>
             </a:r>
-            <a:endParaRPr lang="en-US"/>
           </a:p>
         </p:txBody>
       </p:sp>
@@ -310,7 +329,7 @@
             <a:fld id="{1D8BD707-D9CF-40AE-B4C6-C98DA3205C09}" type="datetimeFigureOut">
               <a:rPr lang="en-US" smtClean="0"/>
               <a:pPr/>
-              <a:t>8/1/2011</a:t>
+              <a:t>10/18/2024</a:t>
             </a:fld>
             <a:endParaRPr lang="en-US"/>
           </a:p>
@@ -400,10 +419,9 @@
           <a:lstStyle/>
           <a:p>
             <a:r>
-              <a:rPr lang="en-US" smtClean="0"/>
+              <a:rPr lang="en-US"/>
               <a:t>Click to edit Master title style</a:t>
             </a:r>
-            <a:endParaRPr lang="en-US"/>
           </a:p>
         </p:txBody>
       </p:sp>
@@ -424,38 +442,37 @@
           <a:p>
             <a:pPr lvl="0"/>
             <a:r>
-              <a:rPr lang="en-US" smtClean="0"/>
+              <a:rPr lang="en-US"/>
               <a:t>Click to edit Master text styles</a:t>
             </a:r>
           </a:p>
           <a:p>
             <a:pPr lvl="1"/>
             <a:r>
-              <a:rPr lang="en-US" smtClean="0"/>
+              <a:rPr lang="en-US"/>
               <a:t>Second level</a:t>
             </a:r>
           </a:p>
           <a:p>
             <a:pPr lvl="2"/>
             <a:r>
-              <a:rPr lang="en-US" smtClean="0"/>
+              <a:rPr lang="en-US"/>
               <a:t>Third level</a:t>
             </a:r>
           </a:p>
           <a:p>
             <a:pPr lvl="3"/>
             <a:r>
-              <a:rPr lang="en-US" smtClean="0"/>
+              <a:rPr lang="en-US"/>
               <a:t>Fourth level</a:t>
             </a:r>
           </a:p>
           <a:p>
             <a:pPr lvl="4"/>
             <a:r>
-              <a:rPr lang="en-US" smtClean="0"/>
+              <a:rPr lang="en-US"/>
               <a:t>Fifth level</a:t>
             </a:r>
-            <a:endParaRPr lang="en-US"/>
           </a:p>
         </p:txBody>
       </p:sp>
@@ -477,7 +494,7 @@
             <a:fld id="{1D8BD707-D9CF-40AE-B4C6-C98DA3205C09}" type="datetimeFigureOut">
               <a:rPr lang="en-US" smtClean="0"/>
               <a:pPr/>
-              <a:t>8/1/2011</a:t>
+              <a:t>10/18/2024</a:t>
             </a:fld>
             <a:endParaRPr lang="en-US"/>
           </a:p>
@@ -572,10 +589,9 @@
           <a:lstStyle/>
           <a:p>
             <a:r>
-              <a:rPr lang="en-US" smtClean="0"/>
+              <a:rPr lang="en-US"/>
               <a:t>Click to edit Master title style</a:t>
             </a:r>
-            <a:endParaRPr lang="en-US"/>
           </a:p>
         </p:txBody>
       </p:sp>
@@ -601,38 +617,37 @@
           <a:p>
             <a:pPr lvl="0"/>
             <a:r>
-              <a:rPr lang="en-US" smtClean="0"/>
+              <a:rPr lang="en-US"/>
               <a:t>Click to edit Master text styles</a:t>
             </a:r>
           </a:p>
           <a:p>
             <a:pPr lvl="1"/>
             <a:r>
-              <a:rPr lang="en-US" smtClean="0"/>
+              <a:rPr lang="en-US"/>
               <a:t>Second level</a:t>
             </a:r>
           </a:p>
           <a:p>
             <a:pPr lvl="2"/>
             <a:r>
-              <a:rPr lang="en-US" smtClean="0"/>
+              <a:rPr lang="en-US"/>
               <a:t>Third level</a:t>
             </a:r>
           </a:p>
           <a:p>
             <a:pPr lvl="3"/>
             <a:r>
-              <a:rPr lang="en-US" smtClean="0"/>
+              <a:rPr lang="en-US"/>
               <a:t>Fourth level</a:t>
             </a:r>
           </a:p>
           <a:p>
             <a:pPr lvl="4"/>
             <a:r>
-              <a:rPr lang="en-US" smtClean="0"/>
+              <a:rPr lang="en-US"/>
               <a:t>Fifth level</a:t>
             </a:r>
-            <a:endParaRPr lang="en-US"/>
           </a:p>
         </p:txBody>
       </p:sp>
@@ -654,7 +669,7 @@
             <a:fld id="{1D8BD707-D9CF-40AE-B4C6-C98DA3205C09}" type="datetimeFigureOut">
               <a:rPr lang="en-US" smtClean="0"/>
               <a:pPr/>
-              <a:t>8/1/2011</a:t>
+              <a:t>10/18/2024</a:t>
             </a:fld>
             <a:endParaRPr lang="en-US"/>
           </a:p>
@@ -744,10 +759,9 @@
           <a:lstStyle/>
           <a:p>
             <a:r>
-              <a:rPr lang="en-US" smtClean="0"/>
+              <a:rPr lang="en-US"/>
               <a:t>Click to edit Master title style</a:t>
             </a:r>
-            <a:endParaRPr lang="en-US"/>
           </a:p>
         </p:txBody>
       </p:sp>
@@ -768,38 +782,37 @@
           <a:p>
             <a:pPr lvl="0"/>
             <a:r>
-              <a:rPr lang="en-US" smtClean="0"/>
+              <a:rPr lang="en-US"/>
               <a:t>Click to edit Master text styles</a:t>
             </a:r>
           </a:p>
           <a:p>
             <a:pPr lvl="1"/>
             <a:r>
-              <a:rPr lang="en-US" smtClean="0"/>
+              <a:rPr lang="en-US"/>
               <a:t>Second level</a:t>
             </a:r>
           </a:p>
           <a:p>
             <a:pPr lvl="2"/>
             <a:r>
-              <a:rPr lang="en-US" smtClean="0"/>
+              <a:rPr lang="en-US"/>
               <a:t>Third level</a:t>
             </a:r>
           </a:p>
           <a:p>
             <a:pPr lvl="3"/>
             <a:r>
-              <a:rPr lang="en-US" smtClean="0"/>
+              <a:rPr lang="en-US"/>
               <a:t>Fourth level</a:t>
             </a:r>
           </a:p>
           <a:p>
             <a:pPr lvl="4"/>
             <a:r>
-              <a:rPr lang="en-US" smtClean="0"/>
+              <a:rPr lang="en-US"/>
               <a:t>Fifth level</a:t>
             </a:r>
-            <a:endParaRPr lang="en-US"/>
           </a:p>
         </p:txBody>
       </p:sp>
@@ -821,7 +834,7 @@
             <a:fld id="{1D8BD707-D9CF-40AE-B4C6-C98DA3205C09}" type="datetimeFigureOut">
               <a:rPr lang="en-US" smtClean="0"/>
               <a:pPr/>
-              <a:t>8/1/2011</a:t>
+              <a:t>10/18/2024</a:t>
             </a:fld>
             <a:endParaRPr lang="en-US"/>
           </a:p>
@@ -920,10 +933,9 @@
           </a:lstStyle>
           <a:p>
             <a:r>
-              <a:rPr lang="en-US" smtClean="0"/>
+              <a:rPr lang="en-US"/>
               <a:t>Click to edit Master title style</a:t>
             </a:r>
-            <a:endParaRPr lang="en-US"/>
           </a:p>
         </p:txBody>
       </p:sp>
@@ -1040,7 +1052,7 @@
           <a:p>
             <a:pPr lvl="0"/>
             <a:r>
-              <a:rPr lang="en-US" smtClean="0"/>
+              <a:rPr lang="en-US"/>
               <a:t>Click to edit Master text styles</a:t>
             </a:r>
           </a:p>
@@ -1064,7 +1076,7 @@
             <a:fld id="{1D8BD707-D9CF-40AE-B4C6-C98DA3205C09}" type="datetimeFigureOut">
               <a:rPr lang="en-US" smtClean="0"/>
               <a:pPr/>
-              <a:t>8/1/2011</a:t>
+              <a:t>10/18/2024</a:t>
             </a:fld>
             <a:endParaRPr lang="en-US"/>
           </a:p>
@@ -1154,10 +1166,9 @@
           <a:lstStyle/>
           <a:p>
             <a:r>
-              <a:rPr lang="en-US" smtClean="0"/>
+              <a:rPr lang="en-US"/>
               <a:t>Click to edit Master title style</a:t>
             </a:r>
-            <a:endParaRPr lang="en-US"/>
           </a:p>
         </p:txBody>
       </p:sp>
@@ -1211,38 +1222,37 @@
           <a:p>
             <a:pPr lvl="0"/>
             <a:r>
-              <a:rPr lang="en-US" smtClean="0"/>
+              <a:rPr lang="en-US"/>
               <a:t>Click to edit Master text styles</a:t>
             </a:r>
           </a:p>
           <a:p>
             <a:pPr lvl="1"/>
             <a:r>
-              <a:rPr lang="en-US" smtClean="0"/>
+              <a:rPr lang="en-US"/>
               <a:t>Second level</a:t>
             </a:r>
           </a:p>
           <a:p>
             <a:pPr lvl="2"/>
             <a:r>
-              <a:rPr lang="en-US" smtClean="0"/>
+              <a:rPr lang="en-US"/>
               <a:t>Third level</a:t>
             </a:r>
           </a:p>
           <a:p>
             <a:pPr lvl="3"/>
             <a:r>
-              <a:rPr lang="en-US" smtClean="0"/>
+              <a:rPr lang="en-US"/>
               <a:t>Fourth level</a:t>
             </a:r>
           </a:p>
           <a:p>
             <a:pPr lvl="4"/>
             <a:r>
-              <a:rPr lang="en-US" smtClean="0"/>
+              <a:rPr lang="en-US"/>
               <a:t>Fifth level</a:t>
             </a:r>
-            <a:endParaRPr lang="en-US"/>
           </a:p>
         </p:txBody>
       </p:sp>
@@ -1296,38 +1306,37 @@
           <a:p>
             <a:pPr lvl="0"/>
             <a:r>
-              <a:rPr lang="en-US" smtClean="0"/>
+              <a:rPr lang="en-US"/>
               <a:t>Click to edit Master text styles</a:t>
             </a:r>
           </a:p>
           <a:p>
             <a:pPr lvl="1"/>
             <a:r>
-              <a:rPr lang="en-US" smtClean="0"/>
+              <a:rPr lang="en-US"/>
               <a:t>Second level</a:t>
             </a:r>
           </a:p>
           <a:p>
             <a:pPr lvl="2"/>
             <a:r>
-              <a:rPr lang="en-US" smtClean="0"/>
+              <a:rPr lang="en-US"/>
               <a:t>Third level</a:t>
             </a:r>
           </a:p>
           <a:p>
             <a:pPr lvl="3"/>
             <a:r>
-              <a:rPr lang="en-US" smtClean="0"/>
+              <a:rPr lang="en-US"/>
               <a:t>Fourth level</a:t>
             </a:r>
           </a:p>
           <a:p>
             <a:pPr lvl="4"/>
             <a:r>
-              <a:rPr lang="en-US" smtClean="0"/>
+              <a:rPr lang="en-US"/>
               <a:t>Fifth level</a:t>
             </a:r>
-            <a:endParaRPr lang="en-US"/>
           </a:p>
         </p:txBody>
       </p:sp>
@@ -1349,7 +1358,7 @@
             <a:fld id="{1D8BD707-D9CF-40AE-B4C6-C98DA3205C09}" type="datetimeFigureOut">
               <a:rPr lang="en-US" smtClean="0"/>
               <a:pPr/>
-              <a:t>8/1/2011</a:t>
+              <a:t>10/18/2024</a:t>
             </a:fld>
             <a:endParaRPr lang="en-US"/>
           </a:p>
@@ -1443,10 +1452,9 @@
           </a:lstStyle>
           <a:p>
             <a:r>
-              <a:rPr lang="en-US" smtClean="0"/>
+              <a:rPr lang="en-US"/>
               <a:t>Click to edit Master title style</a:t>
             </a:r>
-            <a:endParaRPr lang="en-US"/>
           </a:p>
         </p:txBody>
       </p:sp>
@@ -1509,7 +1517,7 @@
           <a:p>
             <a:pPr lvl="0"/>
             <a:r>
-              <a:rPr lang="en-US" smtClean="0"/>
+              <a:rPr lang="en-US"/>
               <a:t>Click to edit Master text styles</a:t>
             </a:r>
           </a:p>
@@ -1565,38 +1573,37 @@
           <a:p>
             <a:pPr lvl="0"/>
             <a:r>
-              <a:rPr lang="en-US" smtClean="0"/>
+              <a:rPr lang="en-US"/>
               <a:t>Click to edit Master text styles</a:t>
             </a:r>
           </a:p>
           <a:p>
             <a:pPr lvl="1"/>
             <a:r>
-              <a:rPr lang="en-US" smtClean="0"/>
+              <a:rPr lang="en-US"/>
               <a:t>Second level</a:t>
             </a:r>
           </a:p>
           <a:p>
             <a:pPr lvl="2"/>
             <a:r>
-              <a:rPr lang="en-US" smtClean="0"/>
+              <a:rPr lang="en-US"/>
               <a:t>Third level</a:t>
             </a:r>
           </a:p>
           <a:p>
             <a:pPr lvl="3"/>
             <a:r>
-              <a:rPr lang="en-US" smtClean="0"/>
+              <a:rPr lang="en-US"/>
               <a:t>Fourth level</a:t>
             </a:r>
           </a:p>
           <a:p>
             <a:pPr lvl="4"/>
             <a:r>
-              <a:rPr lang="en-US" smtClean="0"/>
+              <a:rPr lang="en-US"/>
               <a:t>Fifth level</a:t>
             </a:r>
-            <a:endParaRPr lang="en-US"/>
           </a:p>
         </p:txBody>
       </p:sp>
@@ -1659,7 +1666,7 @@
           <a:p>
             <a:pPr lvl="0"/>
             <a:r>
-              <a:rPr lang="en-US" smtClean="0"/>
+              <a:rPr lang="en-US"/>
               <a:t>Click to edit Master text styles</a:t>
             </a:r>
           </a:p>
@@ -1715,38 +1722,37 @@
           <a:p>
             <a:pPr lvl="0"/>
             <a:r>
-              <a:rPr lang="en-US" smtClean="0"/>
+              <a:rPr lang="en-US"/>
               <a:t>Click to edit Master text styles</a:t>
             </a:r>
           </a:p>
           <a:p>
             <a:pPr lvl="1"/>
             <a:r>
-              <a:rPr lang="en-US" smtClean="0"/>
+              <a:rPr lang="en-US"/>
               <a:t>Second level</a:t>
             </a:r>
           </a:p>
           <a:p>
             <a:pPr lvl="2"/>
             <a:r>
-              <a:rPr lang="en-US" smtClean="0"/>
+              <a:rPr lang="en-US"/>
               <a:t>Third level</a:t>
             </a:r>
           </a:p>
           <a:p>
             <a:pPr lvl="3"/>
             <a:r>
-              <a:rPr lang="en-US" smtClean="0"/>
+              <a:rPr lang="en-US"/>
               <a:t>Fourth level</a:t>
             </a:r>
           </a:p>
           <a:p>
             <a:pPr lvl="4"/>
             <a:r>
-              <a:rPr lang="en-US" smtClean="0"/>
+              <a:rPr lang="en-US"/>
               <a:t>Fifth level</a:t>
             </a:r>
-            <a:endParaRPr lang="en-US"/>
           </a:p>
         </p:txBody>
       </p:sp>
@@ -1768,7 +1774,7 @@
             <a:fld id="{1D8BD707-D9CF-40AE-B4C6-C98DA3205C09}" type="datetimeFigureOut">
               <a:rPr lang="en-US" smtClean="0"/>
               <a:pPr/>
-              <a:t>8/1/2011</a:t>
+              <a:t>10/18/2024</a:t>
             </a:fld>
             <a:endParaRPr lang="en-US"/>
           </a:p>
@@ -1858,10 +1864,9 @@
           <a:lstStyle/>
           <a:p>
             <a:r>
-              <a:rPr lang="en-US" smtClean="0"/>
+              <a:rPr lang="en-US"/>
               <a:t>Click to edit Master title style</a:t>
             </a:r>
-            <a:endParaRPr lang="en-US"/>
           </a:p>
         </p:txBody>
       </p:sp>
@@ -1883,7 +1888,7 @@
             <a:fld id="{1D8BD707-D9CF-40AE-B4C6-C98DA3205C09}" type="datetimeFigureOut">
               <a:rPr lang="en-US" smtClean="0"/>
               <a:pPr/>
-              <a:t>8/1/2011</a:t>
+              <a:t>10/18/2024</a:t>
             </a:fld>
             <a:endParaRPr lang="en-US"/>
           </a:p>
@@ -1975,7 +1980,7 @@
             <a:fld id="{1D8BD707-D9CF-40AE-B4C6-C98DA3205C09}" type="datetimeFigureOut">
               <a:rPr lang="en-US" smtClean="0"/>
               <a:pPr/>
-              <a:t>8/1/2011</a:t>
+              <a:t>10/18/2024</a:t>
             </a:fld>
             <a:endParaRPr lang="en-US"/>
           </a:p>
@@ -2074,10 +2079,9 @@
           </a:lstStyle>
           <a:p>
             <a:r>
-              <a:rPr lang="en-US" smtClean="0"/>
+              <a:rPr lang="en-US"/>
               <a:t>Click to edit Master title style</a:t>
             </a:r>
-            <a:endParaRPr lang="en-US"/>
           </a:p>
         </p:txBody>
       </p:sp>
@@ -2131,38 +2135,37 @@
           <a:p>
             <a:pPr lvl="0"/>
             <a:r>
-              <a:rPr lang="en-US" smtClean="0"/>
+              <a:rPr lang="en-US"/>
               <a:t>Click to edit Master text styles</a:t>
             </a:r>
           </a:p>
           <a:p>
             <a:pPr lvl="1"/>
             <a:r>
-              <a:rPr lang="en-US" smtClean="0"/>
+              <a:rPr lang="en-US"/>
               <a:t>Second level</a:t>
             </a:r>
           </a:p>
           <a:p>
             <a:pPr lvl="2"/>
             <a:r>
-              <a:rPr lang="en-US" smtClean="0"/>
+              <a:rPr lang="en-US"/>
               <a:t>Third level</a:t>
             </a:r>
           </a:p>
           <a:p>
             <a:pPr lvl="3"/>
             <a:r>
-              <a:rPr lang="en-US" smtClean="0"/>
+              <a:rPr lang="en-US"/>
               <a:t>Fourth level</a:t>
             </a:r>
           </a:p>
           <a:p>
             <a:pPr lvl="4"/>
             <a:r>
-              <a:rPr lang="en-US" smtClean="0"/>
+              <a:rPr lang="en-US"/>
               <a:t>Fifth level</a:t>
             </a:r>
-            <a:endParaRPr lang="en-US"/>
           </a:p>
         </p:txBody>
       </p:sp>
@@ -2225,7 +2228,7 @@
           <a:p>
             <a:pPr lvl="0"/>
             <a:r>
-              <a:rPr lang="en-US" smtClean="0"/>
+              <a:rPr lang="en-US"/>
               <a:t>Click to edit Master text styles</a:t>
             </a:r>
           </a:p>
@@ -2249,7 +2252,7 @@
             <a:fld id="{1D8BD707-D9CF-40AE-B4C6-C98DA3205C09}" type="datetimeFigureOut">
               <a:rPr lang="en-US" smtClean="0"/>
               <a:pPr/>
-              <a:t>8/1/2011</a:t>
+              <a:t>10/18/2024</a:t>
             </a:fld>
             <a:endParaRPr lang="en-US"/>
           </a:p>
@@ -2348,10 +2351,9 @@
           </a:lstStyle>
           <a:p>
             <a:r>
-              <a:rPr lang="en-US" smtClean="0"/>
+              <a:rPr lang="en-US"/>
               <a:t>Click to edit Master title style</a:t>
             </a:r>
-            <a:endParaRPr lang="en-US"/>
           </a:p>
         </p:txBody>
       </p:sp>
@@ -2475,7 +2477,7 @@
           <a:p>
             <a:pPr lvl="0"/>
             <a:r>
-              <a:rPr lang="en-US" smtClean="0"/>
+              <a:rPr lang="en-US"/>
               <a:t>Click to edit Master text styles</a:t>
             </a:r>
           </a:p>
@@ -2499,7 +2501,7 @@
             <a:fld id="{1D8BD707-D9CF-40AE-B4C6-C98DA3205C09}" type="datetimeFigureOut">
               <a:rPr lang="en-US" smtClean="0"/>
               <a:pPr/>
-              <a:t>8/1/2011</a:t>
+              <a:t>10/18/2024</a:t>
             </a:fld>
             <a:endParaRPr lang="en-US"/>
           </a:p>
@@ -2604,10 +2606,9 @@
           <a:lstStyle/>
           <a:p>
             <a:r>
-              <a:rPr lang="en-US" smtClean="0"/>
+              <a:rPr lang="en-US"/>
               <a:t>Click to edit Master title style</a:t>
             </a:r>
-            <a:endParaRPr lang="en-US"/>
           </a:p>
         </p:txBody>
       </p:sp>
@@ -2638,38 +2639,37 @@
           <a:p>
             <a:pPr lvl="0"/>
             <a:r>
-              <a:rPr lang="en-US" smtClean="0"/>
+              <a:rPr lang="en-US"/>
               <a:t>Click to edit Master text styles</a:t>
             </a:r>
           </a:p>
           <a:p>
             <a:pPr lvl="1"/>
             <a:r>
-              <a:rPr lang="en-US" smtClean="0"/>
+              <a:rPr lang="en-US"/>
               <a:t>Second level</a:t>
             </a:r>
           </a:p>
           <a:p>
             <a:pPr lvl="2"/>
             <a:r>
-              <a:rPr lang="en-US" smtClean="0"/>
+              <a:rPr lang="en-US"/>
               <a:t>Third level</a:t>
             </a:r>
           </a:p>
           <a:p>
             <a:pPr lvl="3"/>
             <a:r>
-              <a:rPr lang="en-US" smtClean="0"/>
+              <a:rPr lang="en-US"/>
               <a:t>Fourth level</a:t>
             </a:r>
           </a:p>
           <a:p>
             <a:pPr lvl="4"/>
             <a:r>
-              <a:rPr lang="en-US" smtClean="0"/>
+              <a:rPr lang="en-US"/>
               <a:t>Fifth level</a:t>
             </a:r>
-            <a:endParaRPr lang="en-US"/>
           </a:p>
         </p:txBody>
       </p:sp>
@@ -2709,7 +2709,7 @@
             <a:fld id="{1D8BD707-D9CF-40AE-B4C6-C98DA3205C09}" type="datetimeFigureOut">
               <a:rPr lang="en-US" smtClean="0"/>
               <a:pPr/>
-              <a:t>8/1/2011</a:t>
+              <a:t>10/18/2024</a:t>
             </a:fld>
             <a:endParaRPr lang="en-US"/>
           </a:p>
@@ -3064,7 +3064,7 @@
 </file>
 
 <file path=ppt/slides/slide1.xml><?xml version="1.0" encoding="utf-8"?>
-<p:sld xmlns:p="http://schemas.openxmlformats.org/presentationml/2006/main" xmlns:a="http://schemas.openxmlformats.org/drawingml/2006/main" xmlns:r="http://schemas.openxmlformats.org/officeDocument/2006/relationships">
+<p:sld xmlns:a="http://schemas.openxmlformats.org/drawingml/2006/main" xmlns:r="http://schemas.openxmlformats.org/officeDocument/2006/relationships" xmlns:p="http://schemas.openxmlformats.org/presentationml/2006/main">
   <p:cSld>
     <p:spTree>
       <p:nvGrpSpPr>
@@ -3082,12 +3082,12 @@
       </p:grpSpPr>
       <p:sp>
         <p:nvSpPr>
-          <p:cNvPr name="Freeform 2" id="2"/>
+          <p:cNvPr id="2" name="Freeform 2"/>
           <p:cNvSpPr/>
           <p:nvPr/>
         </p:nvSpPr>
         <p:spPr>
-          <a:xfrm flipH="false" flipV="false" rot="-5400000">
+          <a:xfrm rot="-5400000">
             <a:off x="4000500" y="-4000500"/>
             <a:ext cx="10287000" cy="18288000"/>
           </a:xfrm>
@@ -3096,9 +3096,9 @@
             <a:gdLst/>
             <a:ahLst/>
             <a:cxnLst/>
-            <a:rect r="r" b="b" t="t" l="l"/>
+            <a:rect l="l" t="t" r="r" b="b"/>
             <a:pathLst>
-              <a:path h="18288000" w="10287000">
+              <a:path w="10287000" h="18288000">
                 <a:moveTo>
                   <a:pt x="10287000" y="0"/>
                 </a:moveTo>
@@ -3128,12 +3128,12 @@
       </p:sp>
       <p:sp>
         <p:nvSpPr>
-          <p:cNvPr name="Freeform 3" id="3"/>
+          <p:cNvPr id="3" name="Freeform 3"/>
           <p:cNvSpPr/>
           <p:nvPr/>
         </p:nvSpPr>
         <p:spPr>
-          <a:xfrm flipH="false" flipV="false" rot="0">
+          <a:xfrm>
             <a:off x="-2329398" y="8614893"/>
             <a:ext cx="4899948" cy="3344214"/>
           </a:xfrm>
@@ -3142,9 +3142,9 @@
             <a:gdLst/>
             <a:ahLst/>
             <a:cxnLst/>
-            <a:rect r="r" b="b" t="t" l="l"/>
+            <a:rect l="l" t="t" r="r" b="b"/>
             <a:pathLst>
-              <a:path h="3344214" w="4899948">
+              <a:path w="4899948" h="3344214">
                 <a:moveTo>
                   <a:pt x="0" y="0"/>
                 </a:moveTo>
@@ -3173,19 +3173,19 @@
               </a:extLst>
             </a:blip>
             <a:stretch>
-              <a:fillRect l="0" t="0" r="0" b="0"/>
+              <a:fillRect/>
             </a:stretch>
           </a:blipFill>
         </p:spPr>
       </p:sp>
       <p:sp>
         <p:nvSpPr>
-          <p:cNvPr name="Freeform 4" id="4"/>
+          <p:cNvPr id="4" name="Freeform 4"/>
           <p:cNvSpPr/>
           <p:nvPr/>
         </p:nvSpPr>
         <p:spPr>
-          <a:xfrm flipH="false" flipV="false" rot="0">
+          <a:xfrm>
             <a:off x="6030709" y="9258300"/>
             <a:ext cx="3059829" cy="751049"/>
           </a:xfrm>
@@ -3194,9 +3194,9 @@
             <a:gdLst/>
             <a:ahLst/>
             <a:cxnLst/>
-            <a:rect r="r" b="b" t="t" l="l"/>
+            <a:rect l="l" t="t" r="r" b="b"/>
             <a:pathLst>
-              <a:path h="751049" w="3059829">
+              <a:path w="3059829" h="751049">
                 <a:moveTo>
                   <a:pt x="0" y="0"/>
                 </a:moveTo>
@@ -3225,19 +3225,19 @@
               </a:extLst>
             </a:blip>
             <a:stretch>
-              <a:fillRect l="0" t="0" r="0" b="0"/>
+              <a:fillRect/>
             </a:stretch>
           </a:blipFill>
         </p:spPr>
       </p:sp>
       <p:sp>
         <p:nvSpPr>
-          <p:cNvPr name="Freeform 5" id="5"/>
+          <p:cNvPr id="5" name="Freeform 5"/>
           <p:cNvSpPr/>
           <p:nvPr/>
         </p:nvSpPr>
         <p:spPr>
-          <a:xfrm flipH="false" flipV="false" rot="0">
+          <a:xfrm>
             <a:off x="14236705" y="6409875"/>
             <a:ext cx="724985" cy="920616"/>
           </a:xfrm>
@@ -3246,9 +3246,9 @@
             <a:gdLst/>
             <a:ahLst/>
             <a:cxnLst/>
-            <a:rect r="r" b="b" t="t" l="l"/>
+            <a:rect l="l" t="t" r="r" b="b"/>
             <a:pathLst>
-              <a:path h="920616" w="724985">
+              <a:path w="724985" h="920616">
                 <a:moveTo>
                   <a:pt x="0" y="0"/>
                 </a:moveTo>
@@ -3277,19 +3277,19 @@
               </a:extLst>
             </a:blip>
             <a:stretch>
-              <a:fillRect l="0" t="0" r="0" b="0"/>
+              <a:fillRect/>
             </a:stretch>
           </a:blipFill>
         </p:spPr>
       </p:sp>
       <p:sp>
         <p:nvSpPr>
-          <p:cNvPr name="Freeform 6" id="6"/>
+          <p:cNvPr id="6" name="Freeform 6"/>
           <p:cNvSpPr/>
           <p:nvPr/>
         </p:nvSpPr>
         <p:spPr>
-          <a:xfrm flipH="false" flipV="false" rot="0">
+          <a:xfrm>
             <a:off x="14215205" y="8540136"/>
             <a:ext cx="4602314" cy="3618569"/>
           </a:xfrm>
@@ -3298,9 +3298,9 @@
             <a:gdLst/>
             <a:ahLst/>
             <a:cxnLst/>
-            <a:rect r="r" b="b" t="t" l="l"/>
+            <a:rect l="l" t="t" r="r" b="b"/>
             <a:pathLst>
-              <a:path h="3618569" w="4602314">
+              <a:path w="4602314" h="3618569">
                 <a:moveTo>
                   <a:pt x="0" y="0"/>
                 </a:moveTo>
@@ -3329,7 +3329,7 @@
               </a:extLst>
             </a:blip>
             <a:stretch>
-              <a:fillRect l="0" t="0" r="0" b="0"/>
+              <a:fillRect/>
             </a:stretch>
           </a:blipFill>
           <a:ln cap="sq">
@@ -3341,12 +3341,12 @@
       </p:sp>
       <p:sp>
         <p:nvSpPr>
-          <p:cNvPr name="Freeform 7" id="7"/>
+          <p:cNvPr id="7" name="Freeform 7"/>
           <p:cNvSpPr/>
           <p:nvPr/>
         </p:nvSpPr>
         <p:spPr>
-          <a:xfrm flipH="false" flipV="false" rot="0">
+          <a:xfrm>
             <a:off x="-674156" y="-1072630"/>
             <a:ext cx="4899948" cy="3068592"/>
           </a:xfrm>
@@ -3355,9 +3355,9 @@
             <a:gdLst/>
             <a:ahLst/>
             <a:cxnLst/>
-            <a:rect r="r" b="b" t="t" l="l"/>
+            <a:rect l="l" t="t" r="r" b="b"/>
             <a:pathLst>
-              <a:path h="3068592" w="4899948">
+              <a:path w="4899948" h="3068592">
                 <a:moveTo>
                   <a:pt x="0" y="0"/>
                 </a:moveTo>
@@ -3386,7 +3386,7 @@
               </a:extLst>
             </a:blip>
             <a:stretch>
-              <a:fillRect l="0" t="0" r="0" b="0"/>
+              <a:fillRect/>
             </a:stretch>
           </a:blipFill>
           <a:ln cap="sq">
@@ -3398,12 +3398,12 @@
       </p:sp>
       <p:sp>
         <p:nvSpPr>
-          <p:cNvPr name="Freeform 8" id="8"/>
+          <p:cNvPr id="8" name="Freeform 8"/>
           <p:cNvSpPr/>
           <p:nvPr/>
         </p:nvSpPr>
         <p:spPr>
-          <a:xfrm flipH="false" flipV="false" rot="0">
+          <a:xfrm>
             <a:off x="12686214" y="-2578193"/>
             <a:ext cx="4292424" cy="3870986"/>
           </a:xfrm>
@@ -3412,9 +3412,9 @@
             <a:gdLst/>
             <a:ahLst/>
             <a:cxnLst/>
-            <a:rect r="r" b="b" t="t" l="l"/>
+            <a:rect l="l" t="t" r="r" b="b"/>
             <a:pathLst>
-              <a:path h="3870986" w="4292424">
+              <a:path w="4292424" h="3870986">
                 <a:moveTo>
                   <a:pt x="0" y="0"/>
                 </a:moveTo>
@@ -3443,7 +3443,7 @@
               </a:extLst>
             </a:blip>
             <a:stretch>
-              <a:fillRect l="0" t="0" r="0" b="0"/>
+              <a:fillRect/>
             </a:stretch>
           </a:blipFill>
           <a:ln cap="sq">
@@ -3455,12 +3455,12 @@
       </p:sp>
       <p:sp>
         <p:nvSpPr>
-          <p:cNvPr name="Freeform 9" id="9"/>
+          <p:cNvPr id="9" name="Freeform 9"/>
           <p:cNvSpPr/>
           <p:nvPr/>
         </p:nvSpPr>
         <p:spPr>
-          <a:xfrm flipH="false" flipV="false" rot="0">
+          <a:xfrm>
             <a:off x="10138935" y="9258300"/>
             <a:ext cx="4076270" cy="2863579"/>
           </a:xfrm>
@@ -3469,9 +3469,9 @@
             <a:gdLst/>
             <a:ahLst/>
             <a:cxnLst/>
-            <a:rect r="r" b="b" t="t" l="l"/>
+            <a:rect l="l" t="t" r="r" b="b"/>
             <a:pathLst>
-              <a:path h="2863579" w="4076270">
+              <a:path w="4076270" h="2863579">
                 <a:moveTo>
                   <a:pt x="0" y="0"/>
                 </a:moveTo>
@@ -3500,7 +3500,7 @@
               </a:extLst>
             </a:blip>
             <a:stretch>
-              <a:fillRect l="0" t="0" r="0" b="0"/>
+              <a:fillRect/>
             </a:stretch>
           </a:blipFill>
           <a:ln cap="sq">
@@ -3512,12 +3512,12 @@
       </p:sp>
       <p:sp>
         <p:nvSpPr>
-          <p:cNvPr name="Freeform 10" id="10"/>
+          <p:cNvPr id="10" name="Freeform 10"/>
           <p:cNvSpPr/>
           <p:nvPr/>
         </p:nvSpPr>
         <p:spPr>
-          <a:xfrm flipH="false" flipV="false" rot="0">
+          <a:xfrm>
             <a:off x="7409323" y="-2700100"/>
             <a:ext cx="5493058" cy="4114800"/>
           </a:xfrm>
@@ -3526,9 +3526,9 @@
             <a:gdLst/>
             <a:ahLst/>
             <a:cxnLst/>
-            <a:rect r="r" b="b" t="t" l="l"/>
+            <a:rect l="l" t="t" r="r" b="b"/>
             <a:pathLst>
-              <a:path h="4114800" w="5493058">
+              <a:path w="5493058" h="4114800">
                 <a:moveTo>
                   <a:pt x="0" y="0"/>
                 </a:moveTo>
@@ -3557,7 +3557,7 @@
               </a:extLst>
             </a:blip>
             <a:stretch>
-              <a:fillRect l="0" t="0" r="0" b="0"/>
+              <a:fillRect/>
             </a:stretch>
           </a:blipFill>
           <a:ln cap="sq">
@@ -3569,12 +3569,12 @@
       </p:sp>
       <p:sp>
         <p:nvSpPr>
-          <p:cNvPr name="Freeform 11" id="11"/>
+          <p:cNvPr id="11" name="Freeform 11"/>
           <p:cNvSpPr/>
           <p:nvPr/>
         </p:nvSpPr>
         <p:spPr>
-          <a:xfrm flipH="false" flipV="false" rot="4747568">
+          <a:xfrm rot="4747568">
             <a:off x="-2972342" y="3665317"/>
             <a:ext cx="4896097" cy="2735694"/>
           </a:xfrm>
@@ -3583,9 +3583,9 @@
             <a:gdLst/>
             <a:ahLst/>
             <a:cxnLst/>
-            <a:rect r="r" b="b" t="t" l="l"/>
+            <a:rect l="l" t="t" r="r" b="b"/>
             <a:pathLst>
-              <a:path h="2735694" w="4896097">
+              <a:path w="4896097" h="2735694">
                 <a:moveTo>
                   <a:pt x="0" y="0"/>
                 </a:moveTo>
@@ -3614,7 +3614,7 @@
               </a:extLst>
             </a:blip>
             <a:stretch>
-              <a:fillRect l="0" t="0" r="0" b="0"/>
+              <a:fillRect/>
             </a:stretch>
           </a:blipFill>
           <a:ln cap="sq">
@@ -3626,12 +3626,12 @@
       </p:sp>
       <p:sp>
         <p:nvSpPr>
-          <p:cNvPr name="Freeform 12" id="12"/>
+          <p:cNvPr id="12" name="Freeform 12"/>
           <p:cNvSpPr/>
           <p:nvPr/>
         </p:nvSpPr>
         <p:spPr>
-          <a:xfrm flipH="false" flipV="false" rot="0">
+          <a:xfrm>
             <a:off x="4831481" y="-1626507"/>
             <a:ext cx="2892762" cy="2919301"/>
           </a:xfrm>
@@ -3640,9 +3640,9 @@
             <a:gdLst/>
             <a:ahLst/>
             <a:cxnLst/>
-            <a:rect r="r" b="b" t="t" l="l"/>
+            <a:rect l="l" t="t" r="r" b="b"/>
             <a:pathLst>
-              <a:path h="2919301" w="2892762">
+              <a:path w="2892762" h="2919301">
                 <a:moveTo>
                   <a:pt x="0" y="0"/>
                 </a:moveTo>
@@ -3671,7 +3671,7 @@
               </a:extLst>
             </a:blip>
             <a:stretch>
-              <a:fillRect l="0" t="0" r="0" b="0"/>
+              <a:fillRect/>
             </a:stretch>
           </a:blipFill>
           <a:ln cap="sq">
@@ -3683,12 +3683,12 @@
       </p:sp>
       <p:sp>
         <p:nvSpPr>
-          <p:cNvPr name="Freeform 13" id="13"/>
+          <p:cNvPr id="13" name="Freeform 13"/>
           <p:cNvSpPr/>
           <p:nvPr/>
         </p:nvSpPr>
         <p:spPr>
-          <a:xfrm flipH="false" flipV="false" rot="0">
+          <a:xfrm>
             <a:off x="17259300" y="2262342"/>
             <a:ext cx="3575541" cy="3575541"/>
           </a:xfrm>
@@ -3697,9 +3697,9 @@
             <a:gdLst/>
             <a:ahLst/>
             <a:cxnLst/>
-            <a:rect r="r" b="b" t="t" l="l"/>
+            <a:rect l="l" t="t" r="r" b="b"/>
             <a:pathLst>
-              <a:path h="3575541" w="3575541">
+              <a:path w="3575541" h="3575541">
                 <a:moveTo>
                   <a:pt x="0" y="0"/>
                 </a:moveTo>
@@ -3728,7 +3728,7 @@
               </a:extLst>
             </a:blip>
             <a:stretch>
-              <a:fillRect l="0" t="0" r="0" b="0"/>
+              <a:fillRect/>
             </a:stretch>
           </a:blipFill>
           <a:ln cap="sq">
@@ -3740,12 +3740,12 @@
       </p:sp>
       <p:sp>
         <p:nvSpPr>
-          <p:cNvPr name="Freeform 14" id="14"/>
+          <p:cNvPr id="14" name="Freeform 14"/>
           <p:cNvSpPr/>
           <p:nvPr/>
         </p:nvSpPr>
         <p:spPr>
-          <a:xfrm flipH="false" flipV="false" rot="0">
+          <a:xfrm>
             <a:off x="2570549" y="9093737"/>
             <a:ext cx="2587020" cy="2386526"/>
           </a:xfrm>
@@ -3754,9 +3754,9 @@
             <a:gdLst/>
             <a:ahLst/>
             <a:cxnLst/>
-            <a:rect r="r" b="b" t="t" l="l"/>
+            <a:rect l="l" t="t" r="r" b="b"/>
             <a:pathLst>
-              <a:path h="2386526" w="2587020">
+              <a:path w="2587020" h="2386526">
                 <a:moveTo>
                   <a:pt x="0" y="0"/>
                 </a:moveTo>
@@ -3785,7 +3785,7 @@
               </a:extLst>
             </a:blip>
             <a:stretch>
-              <a:fillRect l="0" t="0" r="0" b="0"/>
+              <a:fillRect/>
             </a:stretch>
           </a:blipFill>
           <a:ln cap="sq">
@@ -3797,12 +3797,12 @@
       </p:sp>
       <p:sp>
         <p:nvSpPr>
-          <p:cNvPr name="Freeform 15" id="15"/>
+          <p:cNvPr id="15" name="Freeform 15"/>
           <p:cNvSpPr/>
           <p:nvPr/>
         </p:nvSpPr>
         <p:spPr>
-          <a:xfrm flipH="false" flipV="false" rot="-5282649">
+          <a:xfrm rot="-5282649">
             <a:off x="16440369" y="6970869"/>
             <a:ext cx="3382987" cy="1154444"/>
           </a:xfrm>
@@ -3811,9 +3811,9 @@
             <a:gdLst/>
             <a:ahLst/>
             <a:cxnLst/>
-            <a:rect r="r" b="b" t="t" l="l"/>
+            <a:rect l="l" t="t" r="r" b="b"/>
             <a:pathLst>
-              <a:path h="1154444" w="3382987">
+              <a:path w="3382987" h="1154444">
                 <a:moveTo>
                   <a:pt x="0" y="0"/>
                 </a:moveTo>
@@ -3842,7 +3842,7 @@
               </a:extLst>
             </a:blip>
             <a:stretch>
-              <a:fillRect l="0" t="0" r="0" b="0"/>
+              <a:fillRect/>
             </a:stretch>
           </a:blipFill>
           <a:ln cap="sq">
@@ -3854,12 +3854,12 @@
       </p:sp>
       <p:sp>
         <p:nvSpPr>
-          <p:cNvPr name="Freeform 16" id="16"/>
+          <p:cNvPr id="16" name="Freeform 16"/>
           <p:cNvSpPr/>
           <p:nvPr/>
         </p:nvSpPr>
         <p:spPr>
-          <a:xfrm flipH="false" flipV="false" rot="0">
+          <a:xfrm>
             <a:off x="16978638" y="-642644"/>
             <a:ext cx="3104522" cy="3342688"/>
           </a:xfrm>
@@ -3868,9 +3868,9 @@
             <a:gdLst/>
             <a:ahLst/>
             <a:cxnLst/>
-            <a:rect r="r" b="b" t="t" l="l"/>
+            <a:rect l="l" t="t" r="r" b="b"/>
             <a:pathLst>
-              <a:path h="3342688" w="3104522">
+              <a:path w="3104522" h="3342688">
                 <a:moveTo>
                   <a:pt x="0" y="0"/>
                 </a:moveTo>
@@ -3899,7 +3899,7 @@
               </a:extLst>
             </a:blip>
             <a:stretch>
-              <a:fillRect l="0" t="0" r="0" b="0"/>
+              <a:fillRect/>
             </a:stretch>
           </a:blipFill>
           <a:ln cap="sq">
@@ -3911,12 +3911,12 @@
       </p:sp>
       <p:sp>
         <p:nvSpPr>
-          <p:cNvPr name="TextBox 17" id="17"/>
-          <p:cNvSpPr txBox="true"/>
-          <p:nvPr/>
-        </p:nvSpPr>
-        <p:spPr>
-          <a:xfrm rot="0">
+          <p:cNvPr id="17" name="TextBox 17"/>
+          <p:cNvSpPr txBox="1"/>
+          <p:nvPr/>
+        </p:nvSpPr>
+        <p:spPr>
+          <a:xfrm>
             <a:off x="3688802" y="3136543"/>
             <a:ext cx="10910396" cy="3200970"/>
           </a:xfrm>
@@ -3925,7 +3925,7 @@
           </a:prstGeom>
         </p:spPr>
         <p:txBody>
-          <a:bodyPr anchor="t" rtlCol="false" tIns="0" lIns="0" bIns="0" rIns="0">
+          <a:bodyPr lIns="0" tIns="0" rIns="0" bIns="0" rtlCol="0" anchor="t">
             <a:spAutoFit/>
           </a:bodyPr>
           <a:lstStyle/>
@@ -3936,7 +3936,7 @@
               </a:lnSpc>
             </a:pPr>
             <a:r>
-              <a:rPr lang="en-US" b="true" sz="12998">
+              <a:rPr lang="en-US" sz="12998" b="1">
                 <a:solidFill>
                   <a:srgbClr val="000000"/>
                 </a:solidFill>
@@ -3952,12 +3952,12 @@
       </p:sp>
       <p:sp>
         <p:nvSpPr>
-          <p:cNvPr name="TextBox 18" id="18"/>
-          <p:cNvSpPr txBox="true"/>
-          <p:nvPr/>
-        </p:nvSpPr>
-        <p:spPr>
-          <a:xfrm rot="0">
+          <p:cNvPr id="18" name="TextBox 18"/>
+          <p:cNvSpPr txBox="1"/>
+          <p:nvPr/>
+        </p:nvSpPr>
+        <p:spPr>
+          <a:xfrm>
             <a:off x="4737926" y="6999306"/>
             <a:ext cx="8459795" cy="1682926"/>
           </a:xfrm>
@@ -3966,7 +3966,7 @@
           </a:prstGeom>
         </p:spPr>
         <p:txBody>
-          <a:bodyPr anchor="t" rtlCol="false" tIns="0" lIns="0" bIns="0" rIns="0">
+          <a:bodyPr lIns="0" tIns="0" rIns="0" bIns="0" rtlCol="0" anchor="t">
             <a:spAutoFit/>
           </a:bodyPr>
           <a:lstStyle/>
@@ -3977,7 +3977,7 @@
               </a:lnSpc>
             </a:pPr>
             <a:r>
-              <a:rPr lang="en-US" b="true" sz="4381" spc="-87">
+              <a:rPr lang="en-US" sz="4381" b="1" spc="-87">
                 <a:solidFill>
                   <a:srgbClr val="000000"/>
                 </a:solidFill>
@@ -3996,7 +3996,7 @@
               </a:lnSpc>
             </a:pPr>
             <a:r>
-              <a:rPr lang="en-US" b="true" sz="4381" spc="-87">
+              <a:rPr lang="en-US" sz="4381" b="1" spc="-87">
                 <a:solidFill>
                   <a:srgbClr val="000000"/>
                 </a:solidFill>
@@ -4015,7 +4015,7 @@
               </a:lnSpc>
             </a:pPr>
             <a:r>
-              <a:rPr lang="en-US" b="true" sz="4381" spc="-87">
+              <a:rPr lang="en-US" sz="4381" b="1" spc="-87">
                 <a:solidFill>
                   <a:srgbClr val="000000"/>
                 </a:solidFill>
@@ -4031,12 +4031,12 @@
       </p:sp>
       <p:sp>
         <p:nvSpPr>
-          <p:cNvPr name="Freeform 19" id="19"/>
+          <p:cNvPr id="19" name="Freeform 19"/>
           <p:cNvSpPr/>
           <p:nvPr/>
         </p:nvSpPr>
         <p:spPr>
-          <a:xfrm flipH="false" flipV="false" rot="0">
+          <a:xfrm>
             <a:off x="4737926" y="2576219"/>
             <a:ext cx="724985" cy="920616"/>
           </a:xfrm>
@@ -4045,9 +4045,9 @@
             <a:gdLst/>
             <a:ahLst/>
             <a:cxnLst/>
-            <a:rect r="r" b="b" t="t" l="l"/>
+            <a:rect l="l" t="t" r="r" b="b"/>
             <a:pathLst>
-              <a:path h="920616" w="724985">
+              <a:path w="724985" h="920616">
                 <a:moveTo>
                   <a:pt x="0" y="0"/>
                 </a:moveTo>
@@ -4076,7 +4076,7 @@
               </a:extLst>
             </a:blip>
             <a:stretch>
-              <a:fillRect l="0" t="0" r="0" b="0"/>
+              <a:fillRect/>
             </a:stretch>
           </a:blipFill>
         </p:spPr>
@@ -4090,7 +4090,7 @@
 </file>
 
 <file path=ppt/slides/slide2.xml><?xml version="1.0" encoding="utf-8"?>
-<p:sld xmlns:p="http://schemas.openxmlformats.org/presentationml/2006/main" xmlns:a="http://schemas.openxmlformats.org/drawingml/2006/main" xmlns:r="http://schemas.openxmlformats.org/officeDocument/2006/relationships">
+<p:sld xmlns:a="http://schemas.openxmlformats.org/drawingml/2006/main" xmlns:r="http://schemas.openxmlformats.org/officeDocument/2006/relationships" xmlns:p="http://schemas.openxmlformats.org/presentationml/2006/main">
   <p:cSld>
     <p:spTree>
       <p:nvGrpSpPr>
@@ -4108,12 +4108,12 @@
       </p:grpSpPr>
       <p:sp>
         <p:nvSpPr>
-          <p:cNvPr name="Freeform 2" id="2"/>
+          <p:cNvPr id="2" name="Freeform 2"/>
           <p:cNvSpPr/>
           <p:nvPr/>
         </p:nvSpPr>
         <p:spPr>
-          <a:xfrm flipH="false" flipV="false" rot="-5400000">
+          <a:xfrm rot="-5400000">
             <a:off x="4000500" y="-4000500"/>
             <a:ext cx="10287000" cy="18288000"/>
           </a:xfrm>
@@ -4122,9 +4122,9 @@
             <a:gdLst/>
             <a:ahLst/>
             <a:cxnLst/>
-            <a:rect r="r" b="b" t="t" l="l"/>
+            <a:rect l="l" t="t" r="r" b="b"/>
             <a:pathLst>
-              <a:path h="18288000" w="10287000">
+              <a:path w="10287000" h="18288000">
                 <a:moveTo>
                   <a:pt x="10287000" y="0"/>
                 </a:moveTo>
@@ -4154,12 +4154,12 @@
       </p:sp>
       <p:sp>
         <p:nvSpPr>
-          <p:cNvPr name="Freeform 3" id="3"/>
+          <p:cNvPr id="3" name="Freeform 3"/>
           <p:cNvSpPr/>
           <p:nvPr/>
         </p:nvSpPr>
         <p:spPr>
-          <a:xfrm flipH="false" flipV="false" rot="0">
+          <a:xfrm>
             <a:off x="10994934" y="2091045"/>
             <a:ext cx="6264366" cy="6104909"/>
           </a:xfrm>
@@ -4168,9 +4168,9 @@
             <a:gdLst/>
             <a:ahLst/>
             <a:cxnLst/>
-            <a:rect r="r" b="b" t="t" l="l"/>
+            <a:rect l="l" t="t" r="r" b="b"/>
             <a:pathLst>
-              <a:path h="6104909" w="6264366">
+              <a:path w="6264366" h="6104909">
                 <a:moveTo>
                   <a:pt x="0" y="0"/>
                 </a:moveTo>
@@ -4199,19 +4199,19 @@
               </a:extLst>
             </a:blip>
             <a:stretch>
-              <a:fillRect l="0" t="0" r="0" b="0"/>
+              <a:fillRect/>
             </a:stretch>
           </a:blipFill>
         </p:spPr>
       </p:sp>
       <p:sp>
         <p:nvSpPr>
-          <p:cNvPr name="TextBox 4" id="4"/>
-          <p:cNvSpPr txBox="true"/>
-          <p:nvPr/>
-        </p:nvSpPr>
-        <p:spPr>
-          <a:xfrm rot="0">
+          <p:cNvPr id="4" name="TextBox 4"/>
+          <p:cNvSpPr txBox="1"/>
+          <p:nvPr/>
+        </p:nvSpPr>
+        <p:spPr>
+          <a:xfrm>
             <a:off x="1504950" y="2898168"/>
             <a:ext cx="7848753" cy="1177290"/>
           </a:xfrm>
@@ -4220,7 +4220,7 @@
           </a:prstGeom>
         </p:spPr>
         <p:txBody>
-          <a:bodyPr anchor="t" rtlCol="false" tIns="0" lIns="0" bIns="0" rIns="0">
+          <a:bodyPr lIns="0" tIns="0" rIns="0" bIns="0" rtlCol="0" anchor="t">
             <a:spAutoFit/>
           </a:bodyPr>
           <a:lstStyle/>
@@ -4231,7 +4231,7 @@
               </a:lnSpc>
             </a:pPr>
             <a:r>
-              <a:rPr lang="en-US" sz="9000" b="true">
+              <a:rPr lang="en-US" sz="9000" b="1">
                 <a:solidFill>
                   <a:srgbClr val="000000"/>
                 </a:solidFill>
@@ -4247,12 +4247,12 @@
       </p:sp>
       <p:sp>
         <p:nvSpPr>
-          <p:cNvPr name="TextBox 5" id="5"/>
-          <p:cNvSpPr txBox="true"/>
-          <p:nvPr/>
-        </p:nvSpPr>
-        <p:spPr>
-          <a:xfrm rot="0">
+          <p:cNvPr id="5" name="TextBox 5"/>
+          <p:cNvSpPr txBox="1"/>
+          <p:nvPr/>
+        </p:nvSpPr>
+        <p:spPr>
+          <a:xfrm>
             <a:off x="1504950" y="4807557"/>
             <a:ext cx="7707571" cy="2324100"/>
           </a:xfrm>
@@ -4261,12 +4261,12 @@
           </a:prstGeom>
         </p:spPr>
         <p:txBody>
-          <a:bodyPr anchor="t" rtlCol="false" tIns="0" lIns="0" bIns="0" rIns="0">
+          <a:bodyPr lIns="0" tIns="0" rIns="0" bIns="0" rtlCol="0" anchor="t">
             <a:spAutoFit/>
           </a:bodyPr>
           <a:lstStyle/>
           <a:p>
-            <a:pPr algn="l" marL="0" indent="0" lvl="0">
+            <a:pPr marL="0" lvl="0" indent="0" algn="l">
               <a:lnSpc>
                 <a:spcPts val="2699"/>
               </a:lnSpc>
@@ -4291,12 +4291,12 @@
       </p:sp>
       <p:sp>
         <p:nvSpPr>
-          <p:cNvPr name="Freeform 6" id="6"/>
+          <p:cNvPr id="6" name="Freeform 6"/>
           <p:cNvSpPr/>
           <p:nvPr/>
         </p:nvSpPr>
         <p:spPr>
-          <a:xfrm flipH="false" flipV="false" rot="0">
+          <a:xfrm>
             <a:off x="15353489" y="8540136"/>
             <a:ext cx="4602314" cy="3618569"/>
           </a:xfrm>
@@ -4305,9 +4305,9 @@
             <a:gdLst/>
             <a:ahLst/>
             <a:cxnLst/>
-            <a:rect r="r" b="b" t="t" l="l"/>
+            <a:rect l="l" t="t" r="r" b="b"/>
             <a:pathLst>
-              <a:path h="3618569" w="4602314">
+              <a:path w="4602314" h="3618569">
                 <a:moveTo>
                   <a:pt x="0" y="0"/>
                 </a:moveTo>
@@ -4336,7 +4336,7 @@
               </a:extLst>
             </a:blip>
             <a:stretch>
-              <a:fillRect l="0" t="0" r="0" b="0"/>
+              <a:fillRect/>
             </a:stretch>
           </a:blipFill>
           <a:ln cap="sq">
@@ -4348,12 +4348,12 @@
       </p:sp>
       <p:sp>
         <p:nvSpPr>
-          <p:cNvPr name="Freeform 7" id="7"/>
+          <p:cNvPr id="7" name="Freeform 7"/>
           <p:cNvSpPr/>
           <p:nvPr/>
         </p:nvSpPr>
         <p:spPr>
-          <a:xfrm flipH="false" flipV="false" rot="0">
+          <a:xfrm>
             <a:off x="-674156" y="-1072630"/>
             <a:ext cx="4899948" cy="3068592"/>
           </a:xfrm>
@@ -4362,9 +4362,9 @@
             <a:gdLst/>
             <a:ahLst/>
             <a:cxnLst/>
-            <a:rect r="r" b="b" t="t" l="l"/>
+            <a:rect l="l" t="t" r="r" b="b"/>
             <a:pathLst>
-              <a:path h="3068592" w="4899948">
+              <a:path w="4899948" h="3068592">
                 <a:moveTo>
                   <a:pt x="0" y="0"/>
                 </a:moveTo>
@@ -4393,7 +4393,7 @@
               </a:extLst>
             </a:blip>
             <a:stretch>
-              <a:fillRect l="0" t="0" r="0" b="0"/>
+              <a:fillRect/>
             </a:stretch>
           </a:blipFill>
           <a:ln cap="sq">
@@ -4405,12 +4405,12 @@
       </p:sp>
       <p:sp>
         <p:nvSpPr>
-          <p:cNvPr name="Freeform 8" id="8"/>
+          <p:cNvPr id="8" name="Freeform 8"/>
           <p:cNvSpPr/>
           <p:nvPr/>
         </p:nvSpPr>
         <p:spPr>
-          <a:xfrm flipH="false" flipV="false" rot="0">
+          <a:xfrm>
             <a:off x="9144000" y="9258300"/>
             <a:ext cx="4076270" cy="2863579"/>
           </a:xfrm>
@@ -4419,9 +4419,9 @@
             <a:gdLst/>
             <a:ahLst/>
             <a:cxnLst/>
-            <a:rect r="r" b="b" t="t" l="l"/>
+            <a:rect l="l" t="t" r="r" b="b"/>
             <a:pathLst>
-              <a:path h="2863579" w="4076270">
+              <a:path w="4076270" h="2863579">
                 <a:moveTo>
                   <a:pt x="0" y="0"/>
                 </a:moveTo>
@@ -4450,7 +4450,7 @@
               </a:extLst>
             </a:blip>
             <a:stretch>
-              <a:fillRect l="0" t="0" r="0" b="0"/>
+              <a:fillRect/>
             </a:stretch>
           </a:blipFill>
           <a:ln cap="sq">
@@ -4462,12 +4462,12 @@
       </p:sp>
       <p:sp>
         <p:nvSpPr>
-          <p:cNvPr name="Freeform 9" id="9"/>
+          <p:cNvPr id="9" name="Freeform 9"/>
           <p:cNvSpPr/>
           <p:nvPr/>
         </p:nvSpPr>
         <p:spPr>
-          <a:xfrm flipH="false" flipV="false" rot="0">
+          <a:xfrm>
             <a:off x="5003948" y="-1890601"/>
             <a:ext cx="2892762" cy="2919301"/>
           </a:xfrm>
@@ -4476,9 +4476,9 @@
             <a:gdLst/>
             <a:ahLst/>
             <a:cxnLst/>
-            <a:rect r="r" b="b" t="t" l="l"/>
+            <a:rect l="l" t="t" r="r" b="b"/>
             <a:pathLst>
-              <a:path h="2919301" w="2892762">
+              <a:path w="2892762" h="2919301">
                 <a:moveTo>
                   <a:pt x="0" y="0"/>
                 </a:moveTo>
@@ -4507,7 +4507,7 @@
               </a:extLst>
             </a:blip>
             <a:stretch>
-              <a:fillRect l="0" t="0" r="0" b="0"/>
+              <a:fillRect/>
             </a:stretch>
           </a:blipFill>
           <a:ln cap="sq">
@@ -4519,12 +4519,12 @@
       </p:sp>
       <p:sp>
         <p:nvSpPr>
-          <p:cNvPr name="Freeform 10" id="10"/>
+          <p:cNvPr id="10" name="Freeform 10"/>
           <p:cNvSpPr/>
           <p:nvPr/>
         </p:nvSpPr>
         <p:spPr>
-          <a:xfrm flipH="false" flipV="false" rot="-5282649">
+          <a:xfrm rot="-5282649">
             <a:off x="16004285" y="265374"/>
             <a:ext cx="4017207" cy="1370872"/>
           </a:xfrm>
@@ -4533,9 +4533,9 @@
             <a:gdLst/>
             <a:ahLst/>
             <a:cxnLst/>
-            <a:rect r="r" b="b" t="t" l="l"/>
+            <a:rect l="l" t="t" r="r" b="b"/>
             <a:pathLst>
-              <a:path h="1370872" w="4017207">
+              <a:path w="4017207" h="1370872">
                 <a:moveTo>
                   <a:pt x="0" y="0"/>
                 </a:moveTo>
@@ -4564,7 +4564,7 @@
               </a:extLst>
             </a:blip>
             <a:stretch>
-              <a:fillRect l="0" t="0" r="0" b="0"/>
+              <a:fillRect/>
             </a:stretch>
           </a:blipFill>
           <a:ln cap="sq">
@@ -4583,7 +4583,7 @@
 </file>
 
 <file path=ppt/slides/slide3.xml><?xml version="1.0" encoding="utf-8"?>
-<p:sld xmlns:p="http://schemas.openxmlformats.org/presentationml/2006/main" xmlns:a="http://schemas.openxmlformats.org/drawingml/2006/main" xmlns:r="http://schemas.openxmlformats.org/officeDocument/2006/relationships">
+<p:sld xmlns:a="http://schemas.openxmlformats.org/drawingml/2006/main" xmlns:r="http://schemas.openxmlformats.org/officeDocument/2006/relationships" xmlns:p="http://schemas.openxmlformats.org/presentationml/2006/main">
   <p:cSld>
     <p:spTree>
       <p:nvGrpSpPr>
@@ -4601,12 +4601,12 @@
       </p:grpSpPr>
       <p:sp>
         <p:nvSpPr>
-          <p:cNvPr name="Freeform 2" id="2"/>
+          <p:cNvPr id="2" name="Freeform 2"/>
           <p:cNvSpPr/>
           <p:nvPr/>
         </p:nvSpPr>
         <p:spPr>
-          <a:xfrm flipH="false" flipV="false" rot="-5400000">
+          <a:xfrm rot="-5400000">
             <a:off x="4000500" y="-4000500"/>
             <a:ext cx="10287000" cy="18288000"/>
           </a:xfrm>
@@ -4615,9 +4615,9 @@
             <a:gdLst/>
             <a:ahLst/>
             <a:cxnLst/>
-            <a:rect r="r" b="b" t="t" l="l"/>
+            <a:rect l="l" t="t" r="r" b="b"/>
             <a:pathLst>
-              <a:path h="18288000" w="10287000">
+              <a:path w="10287000" h="18288000">
                 <a:moveTo>
                   <a:pt x="10287000" y="0"/>
                 </a:moveTo>
@@ -4647,12 +4647,12 @@
       </p:sp>
       <p:sp>
         <p:nvSpPr>
-          <p:cNvPr name="Freeform 3" id="3"/>
+          <p:cNvPr id="3" name="Freeform 3"/>
           <p:cNvSpPr/>
           <p:nvPr/>
         </p:nvSpPr>
         <p:spPr>
-          <a:xfrm flipH="false" flipV="false" rot="0">
+          <a:xfrm>
             <a:off x="10078075" y="1267971"/>
             <a:ext cx="4208573" cy="4247184"/>
           </a:xfrm>
@@ -4661,9 +4661,9 @@
             <a:gdLst/>
             <a:ahLst/>
             <a:cxnLst/>
-            <a:rect r="r" b="b" t="t" l="l"/>
+            <a:rect l="l" t="t" r="r" b="b"/>
             <a:pathLst>
-              <a:path h="4247184" w="4208573">
+              <a:path w="4208573" h="4247184">
                 <a:moveTo>
                   <a:pt x="0" y="0"/>
                 </a:moveTo>
@@ -4692,7 +4692,7 @@
               </a:extLst>
             </a:blip>
             <a:stretch>
-              <a:fillRect l="0" t="0" r="0" b="0"/>
+              <a:fillRect/>
             </a:stretch>
           </a:blipFill>
           <a:ln cap="sq">
@@ -4704,12 +4704,12 @@
       </p:sp>
       <p:sp>
         <p:nvSpPr>
-          <p:cNvPr name="Freeform 4" id="4"/>
+          <p:cNvPr id="4" name="Freeform 4"/>
           <p:cNvSpPr/>
           <p:nvPr/>
         </p:nvSpPr>
         <p:spPr>
-          <a:xfrm flipH="false" flipV="false" rot="0">
+          <a:xfrm>
             <a:off x="10857087" y="1879538"/>
             <a:ext cx="5956731" cy="6527925"/>
           </a:xfrm>
@@ -4718,9 +4718,9 @@
             <a:gdLst/>
             <a:ahLst/>
             <a:cxnLst/>
-            <a:rect r="r" b="b" t="t" l="l"/>
+            <a:rect l="l" t="t" r="r" b="b"/>
             <a:pathLst>
-              <a:path h="6527925" w="5956731">
+              <a:path w="5956731" h="6527925">
                 <a:moveTo>
                   <a:pt x="0" y="0"/>
                 </a:moveTo>
@@ -4749,19 +4749,19 @@
               </a:extLst>
             </a:blip>
             <a:stretch>
-              <a:fillRect l="0" t="0" r="0" b="0"/>
+              <a:fillRect/>
             </a:stretch>
           </a:blipFill>
         </p:spPr>
       </p:sp>
       <p:sp>
         <p:nvSpPr>
-          <p:cNvPr name="TextBox 5" id="5"/>
-          <p:cNvSpPr txBox="true"/>
-          <p:nvPr/>
-        </p:nvSpPr>
-        <p:spPr>
-          <a:xfrm rot="0">
+          <p:cNvPr id="5" name="TextBox 5"/>
+          <p:cNvSpPr txBox="1"/>
+          <p:nvPr/>
+        </p:nvSpPr>
+        <p:spPr>
+          <a:xfrm>
             <a:off x="1504950" y="2898168"/>
             <a:ext cx="8092094" cy="1177290"/>
           </a:xfrm>
@@ -4770,7 +4770,7 @@
           </a:prstGeom>
         </p:spPr>
         <p:txBody>
-          <a:bodyPr anchor="t" rtlCol="false" tIns="0" lIns="0" bIns="0" rIns="0">
+          <a:bodyPr lIns="0" tIns="0" rIns="0" bIns="0" rtlCol="0" anchor="t">
             <a:spAutoFit/>
           </a:bodyPr>
           <a:lstStyle/>
@@ -4781,7 +4781,7 @@
               </a:lnSpc>
             </a:pPr>
             <a:r>
-              <a:rPr lang="en-US" sz="9000" b="true">
+              <a:rPr lang="en-US" sz="9000" b="1">
                 <a:solidFill>
                   <a:srgbClr val="000000"/>
                 </a:solidFill>
@@ -4797,12 +4797,12 @@
       </p:sp>
       <p:sp>
         <p:nvSpPr>
-          <p:cNvPr name="TextBox 6" id="6"/>
-          <p:cNvSpPr txBox="true"/>
-          <p:nvPr/>
-        </p:nvSpPr>
-        <p:spPr>
-          <a:xfrm rot="0">
+          <p:cNvPr id="6" name="TextBox 6"/>
+          <p:cNvSpPr txBox="1"/>
+          <p:nvPr/>
+        </p:nvSpPr>
+        <p:spPr>
+          <a:xfrm>
             <a:off x="1504950" y="4807557"/>
             <a:ext cx="7707571" cy="2657475"/>
           </a:xfrm>
@@ -4811,12 +4811,12 @@
           </a:prstGeom>
         </p:spPr>
         <p:txBody>
-          <a:bodyPr anchor="t" rtlCol="false" tIns="0" lIns="0" bIns="0" rIns="0">
+          <a:bodyPr lIns="0" tIns="0" rIns="0" bIns="0" rtlCol="0" anchor="t">
             <a:spAutoFit/>
           </a:bodyPr>
           <a:lstStyle/>
           <a:p>
-            <a:pPr algn="l" marL="0" indent="0" lvl="0">
+            <a:pPr marL="0" lvl="0" indent="0" algn="l">
               <a:lnSpc>
                 <a:spcPts val="2699"/>
               </a:lnSpc>
@@ -4848,7 +4848,952 @@
 </file>
 
 <file path=ppt/slides/slide4.xml><?xml version="1.0" encoding="utf-8"?>
-<p:sld xmlns:p="http://schemas.openxmlformats.org/presentationml/2006/main" xmlns:a="http://schemas.openxmlformats.org/drawingml/2006/main" xmlns:r="http://schemas.openxmlformats.org/officeDocument/2006/relationships">
+<p:sld xmlns:a="http://schemas.openxmlformats.org/drawingml/2006/main" xmlns:r="http://schemas.openxmlformats.org/officeDocument/2006/relationships" xmlns:p="http://schemas.openxmlformats.org/presentationml/2006/main">
+  <p:cSld>
+    <p:spTree>
+      <p:nvGrpSpPr>
+        <p:cNvPr id="1" name="">
+          <a:extLst>
+            <a:ext uri="{FF2B5EF4-FFF2-40B4-BE49-F238E27FC236}">
+              <a16:creationId xmlns:a16="http://schemas.microsoft.com/office/drawing/2014/main" id="{6C3004C0-C74E-5084-BB97-237D024EF070}"/>
+            </a:ext>
+          </a:extLst>
+        </p:cNvPr>
+        <p:cNvGrpSpPr/>
+        <p:nvPr/>
+      </p:nvGrpSpPr>
+      <p:grpSpPr>
+        <a:xfrm>
+          <a:off x="0" y="0"/>
+          <a:ext cx="0" cy="0"/>
+          <a:chOff x="0" y="0"/>
+          <a:chExt cx="0" cy="0"/>
+        </a:xfrm>
+      </p:grpSpPr>
+      <p:sp>
+        <p:nvSpPr>
+          <p:cNvPr id="2" name="Freeform 2">
+            <a:extLst>
+              <a:ext uri="{FF2B5EF4-FFF2-40B4-BE49-F238E27FC236}">
+                <a16:creationId xmlns:a16="http://schemas.microsoft.com/office/drawing/2014/main" id="{B5EDD7BF-364A-F851-BA3D-FAAF0260189C}"/>
+              </a:ext>
+            </a:extLst>
+          </p:cNvPr>
+          <p:cNvSpPr/>
+          <p:nvPr/>
+        </p:nvSpPr>
+        <p:spPr>
+          <a:xfrm rot="-5400000">
+            <a:off x="4000500" y="-4000500"/>
+            <a:ext cx="10287000" cy="18288000"/>
+          </a:xfrm>
+          <a:custGeom>
+            <a:avLst/>
+            <a:gdLst/>
+            <a:ahLst/>
+            <a:cxnLst/>
+            <a:rect l="l" t="t" r="r" b="b"/>
+            <a:pathLst>
+              <a:path w="10287000" h="18288000">
+                <a:moveTo>
+                  <a:pt x="10287000" y="0"/>
+                </a:moveTo>
+                <a:lnTo>
+                  <a:pt x="10287000" y="18288000"/>
+                </a:lnTo>
+                <a:lnTo>
+                  <a:pt x="0" y="18288000"/>
+                </a:lnTo>
+                <a:lnTo>
+                  <a:pt x="0" y="0"/>
+                </a:lnTo>
+                <a:lnTo>
+                  <a:pt x="10287000" y="0"/>
+                </a:lnTo>
+                <a:close/>
+              </a:path>
+            </a:pathLst>
+          </a:custGeom>
+          <a:blipFill>
+            <a:blip r:embed="rId2"/>
+            <a:stretch>
+              <a:fillRect l="-71867" t="-3631" r="-74156" b="-2747"/>
+            </a:stretch>
+          </a:blipFill>
+        </p:spPr>
+      </p:sp>
+      <p:sp>
+        <p:nvSpPr>
+          <p:cNvPr id="3" name="Freeform 3">
+            <a:extLst>
+              <a:ext uri="{FF2B5EF4-FFF2-40B4-BE49-F238E27FC236}">
+                <a16:creationId xmlns:a16="http://schemas.microsoft.com/office/drawing/2014/main" id="{153276B2-D62C-1A41-8E73-2D32E461CB9A}"/>
+              </a:ext>
+            </a:extLst>
+          </p:cNvPr>
+          <p:cNvSpPr/>
+          <p:nvPr/>
+        </p:nvSpPr>
+        <p:spPr>
+          <a:xfrm rot="-5282649">
+            <a:off x="753178" y="3852356"/>
+            <a:ext cx="7567145" cy="2582288"/>
+          </a:xfrm>
+          <a:custGeom>
+            <a:avLst/>
+            <a:gdLst/>
+            <a:ahLst/>
+            <a:cxnLst/>
+            <a:rect l="l" t="t" r="r" b="b"/>
+            <a:pathLst>
+              <a:path w="7567145" h="2582288">
+                <a:moveTo>
+                  <a:pt x="0" y="0"/>
+                </a:moveTo>
+                <a:lnTo>
+                  <a:pt x="7567144" y="0"/>
+                </a:lnTo>
+                <a:lnTo>
+                  <a:pt x="7567144" y="2582288"/>
+                </a:lnTo>
+                <a:lnTo>
+                  <a:pt x="0" y="2582288"/>
+                </a:lnTo>
+                <a:lnTo>
+                  <a:pt x="0" y="0"/>
+                </a:lnTo>
+                <a:close/>
+              </a:path>
+            </a:pathLst>
+          </a:custGeom>
+          <a:blipFill>
+            <a:blip r:embed="rId3">
+              <a:extLst>
+                <a:ext uri="{96DAC541-7B7A-43D3-8B79-37D633B846F1}">
+                  <asvg:svgBlip xmlns:asvg="http://schemas.microsoft.com/office/drawing/2016/SVG/main" r:embed="rId4"/>
+                </a:ext>
+              </a:extLst>
+            </a:blip>
+            <a:stretch>
+              <a:fillRect/>
+            </a:stretch>
+          </a:blipFill>
+          <a:ln cap="sq">
+            <a:noFill/>
+            <a:prstDash val="solid"/>
+            <a:miter/>
+          </a:ln>
+        </p:spPr>
+      </p:sp>
+      <p:sp>
+        <p:nvSpPr>
+          <p:cNvPr id="4" name="Freeform 4">
+            <a:extLst>
+              <a:ext uri="{FF2B5EF4-FFF2-40B4-BE49-F238E27FC236}">
+                <a16:creationId xmlns:a16="http://schemas.microsoft.com/office/drawing/2014/main" id="{4418EA09-275E-6E0F-97B1-A11E39C88752}"/>
+              </a:ext>
+            </a:extLst>
+          </p:cNvPr>
+          <p:cNvSpPr/>
+          <p:nvPr/>
+        </p:nvSpPr>
+        <p:spPr>
+          <a:xfrm>
+            <a:off x="1780231" y="2037564"/>
+            <a:ext cx="5513037" cy="6211873"/>
+          </a:xfrm>
+          <a:custGeom>
+            <a:avLst/>
+            <a:gdLst/>
+            <a:ahLst/>
+            <a:cxnLst/>
+            <a:rect l="l" t="t" r="r" b="b"/>
+            <a:pathLst>
+              <a:path w="5513037" h="6211873">
+                <a:moveTo>
+                  <a:pt x="0" y="0"/>
+                </a:moveTo>
+                <a:lnTo>
+                  <a:pt x="5513038" y="0"/>
+                </a:lnTo>
+                <a:lnTo>
+                  <a:pt x="5513038" y="6211872"/>
+                </a:lnTo>
+                <a:lnTo>
+                  <a:pt x="0" y="6211872"/>
+                </a:lnTo>
+                <a:lnTo>
+                  <a:pt x="0" y="0"/>
+                </a:lnTo>
+                <a:close/>
+              </a:path>
+            </a:pathLst>
+          </a:custGeom>
+          <a:blipFill>
+            <a:blip r:embed="rId5">
+              <a:extLst>
+                <a:ext uri="{96DAC541-7B7A-43D3-8B79-37D633B846F1}">
+                  <asvg:svgBlip xmlns:asvg="http://schemas.microsoft.com/office/drawing/2016/SVG/main" r:embed="rId6"/>
+                </a:ext>
+              </a:extLst>
+            </a:blip>
+            <a:stretch>
+              <a:fillRect/>
+            </a:stretch>
+          </a:blipFill>
+        </p:spPr>
+      </p:sp>
+      <p:sp>
+        <p:nvSpPr>
+          <p:cNvPr id="5" name="TextBox 5">
+            <a:extLst>
+              <a:ext uri="{FF2B5EF4-FFF2-40B4-BE49-F238E27FC236}">
+                <a16:creationId xmlns:a16="http://schemas.microsoft.com/office/drawing/2014/main" id="{14B895A9-6B2A-4CFF-D8E6-F7298D8C66BA}"/>
+              </a:ext>
+            </a:extLst>
+          </p:cNvPr>
+          <p:cNvSpPr txBox="1"/>
+          <p:nvPr/>
+        </p:nvSpPr>
+        <p:spPr>
+          <a:xfrm>
+            <a:off x="8659015" y="2345718"/>
+            <a:ext cx="7848753" cy="2282190"/>
+          </a:xfrm>
+          <a:prstGeom prst="rect">
+            <a:avLst/>
+          </a:prstGeom>
+        </p:spPr>
+        <p:txBody>
+          <a:bodyPr lIns="0" tIns="0" rIns="0" bIns="0" rtlCol="0" anchor="t">
+            <a:spAutoFit/>
+          </a:bodyPr>
+          <a:lstStyle/>
+          <a:p>
+            <a:pPr algn="l">
+              <a:lnSpc>
+                <a:spcPts val="8730"/>
+              </a:lnSpc>
+            </a:pPr>
+            <a:r>
+              <a:rPr lang="en-US" sz="9000" b="1">
+                <a:solidFill>
+                  <a:srgbClr val="000000"/>
+                </a:solidFill>
+                <a:latin typeface="DM Sans Bold"/>
+                <a:ea typeface="DM Sans Bold"/>
+                <a:cs typeface="DM Sans Bold"/>
+                <a:sym typeface="DM Sans Bold"/>
+              </a:rPr>
+              <a:t> Problem Statement</a:t>
+            </a:r>
+          </a:p>
+        </p:txBody>
+      </p:sp>
+      <p:sp>
+        <p:nvSpPr>
+          <p:cNvPr id="6" name="TextBox 6">
+            <a:extLst>
+              <a:ext uri="{FF2B5EF4-FFF2-40B4-BE49-F238E27FC236}">
+                <a16:creationId xmlns:a16="http://schemas.microsoft.com/office/drawing/2014/main" id="{243779D0-1FA8-9550-7043-79480D03BA20}"/>
+              </a:ext>
+            </a:extLst>
+          </p:cNvPr>
+          <p:cNvSpPr txBox="1"/>
+          <p:nvPr/>
+        </p:nvSpPr>
+        <p:spPr>
+          <a:xfrm>
+            <a:off x="8659015" y="4807557"/>
+            <a:ext cx="7707571" cy="1657350"/>
+          </a:xfrm>
+          <a:prstGeom prst="rect">
+            <a:avLst/>
+          </a:prstGeom>
+        </p:spPr>
+        <p:txBody>
+          <a:bodyPr lIns="0" tIns="0" rIns="0" bIns="0" rtlCol="0" anchor="t">
+            <a:spAutoFit/>
+          </a:bodyPr>
+          <a:lstStyle/>
+          <a:p>
+            <a:pPr marL="0" lvl="0" indent="0" algn="l">
+              <a:lnSpc>
+                <a:spcPts val="2699"/>
+              </a:lnSpc>
+              <a:spcBef>
+                <a:spcPct val="0"/>
+              </a:spcBef>
+            </a:pPr>
+            <a:r>
+              <a:rPr lang="en-US" sz="1999" spc="119">
+                <a:solidFill>
+                  <a:srgbClr val="000000"/>
+                </a:solidFill>
+                <a:latin typeface="DM Sans"/>
+                <a:ea typeface="DM Sans"/>
+                <a:cs typeface="DM Sans"/>
+                <a:sym typeface="DM Sans"/>
+              </a:rPr>
+              <a:t>One of the common struggles in shared expenses is keeping track of who owes what. Without a proper system, it can be confusing to figure out who paid, who still needs to pay, and how much each person owes. This often leads to disputes and mistakes.</a:t>
+            </a:r>
+          </a:p>
+        </p:txBody>
+      </p:sp>
+    </p:spTree>
+    <p:extLst>
+      <p:ext uri="{BB962C8B-B14F-4D97-AF65-F5344CB8AC3E}">
+        <p14:creationId xmlns:p14="http://schemas.microsoft.com/office/powerpoint/2010/main" val="995789432"/>
+      </p:ext>
+    </p:extLst>
+  </p:cSld>
+  <p:clrMapOvr>
+    <a:masterClrMapping/>
+  </p:clrMapOvr>
+</p:sld>
+</file>
+
+<file path=ppt/slides/slide5.xml><?xml version="1.0" encoding="utf-8"?>
+<p:sld xmlns:a="http://schemas.openxmlformats.org/drawingml/2006/main" xmlns:r="http://schemas.openxmlformats.org/officeDocument/2006/relationships" xmlns:p="http://schemas.openxmlformats.org/presentationml/2006/main">
+  <p:cSld>
+    <p:spTree>
+      <p:nvGrpSpPr>
+        <p:cNvPr id="1" name="">
+          <a:extLst>
+            <a:ext uri="{FF2B5EF4-FFF2-40B4-BE49-F238E27FC236}">
+              <a16:creationId xmlns:a16="http://schemas.microsoft.com/office/drawing/2014/main" id="{4DC037A7-39C0-2612-06AE-4DE1044E4AC9}"/>
+            </a:ext>
+          </a:extLst>
+        </p:cNvPr>
+        <p:cNvGrpSpPr/>
+        <p:nvPr/>
+      </p:nvGrpSpPr>
+      <p:grpSpPr>
+        <a:xfrm>
+          <a:off x="0" y="0"/>
+          <a:ext cx="0" cy="0"/>
+          <a:chOff x="0" y="0"/>
+          <a:chExt cx="0" cy="0"/>
+        </a:xfrm>
+      </p:grpSpPr>
+      <p:sp>
+        <p:nvSpPr>
+          <p:cNvPr id="2" name="Freeform 2">
+            <a:extLst>
+              <a:ext uri="{FF2B5EF4-FFF2-40B4-BE49-F238E27FC236}">
+                <a16:creationId xmlns:a16="http://schemas.microsoft.com/office/drawing/2014/main" id="{0353F084-F9F3-3864-491D-07F7AD8F9A20}"/>
+              </a:ext>
+            </a:extLst>
+          </p:cNvPr>
+          <p:cNvSpPr/>
+          <p:nvPr/>
+        </p:nvSpPr>
+        <p:spPr>
+          <a:xfrm rot="-5400000">
+            <a:off x="4000500" y="-4000500"/>
+            <a:ext cx="10287000" cy="18288000"/>
+          </a:xfrm>
+          <a:custGeom>
+            <a:avLst/>
+            <a:gdLst/>
+            <a:ahLst/>
+            <a:cxnLst/>
+            <a:rect l="l" t="t" r="r" b="b"/>
+            <a:pathLst>
+              <a:path w="10287000" h="18288000">
+                <a:moveTo>
+                  <a:pt x="10287000" y="0"/>
+                </a:moveTo>
+                <a:lnTo>
+                  <a:pt x="10287000" y="18288000"/>
+                </a:lnTo>
+                <a:lnTo>
+                  <a:pt x="0" y="18288000"/>
+                </a:lnTo>
+                <a:lnTo>
+                  <a:pt x="0" y="0"/>
+                </a:lnTo>
+                <a:lnTo>
+                  <a:pt x="10287000" y="0"/>
+                </a:lnTo>
+                <a:close/>
+              </a:path>
+            </a:pathLst>
+          </a:custGeom>
+          <a:blipFill>
+            <a:blip r:embed="rId2"/>
+            <a:stretch>
+              <a:fillRect l="-71867" t="-3631" r="-74156" b="-2747"/>
+            </a:stretch>
+          </a:blipFill>
+        </p:spPr>
+      </p:sp>
+      <p:sp>
+        <p:nvSpPr>
+          <p:cNvPr id="3" name="Freeform 3">
+            <a:extLst>
+              <a:ext uri="{FF2B5EF4-FFF2-40B4-BE49-F238E27FC236}">
+                <a16:creationId xmlns:a16="http://schemas.microsoft.com/office/drawing/2014/main" id="{BB670F9F-DEA7-78E3-3BA2-808ED97431AD}"/>
+              </a:ext>
+            </a:extLst>
+          </p:cNvPr>
+          <p:cNvSpPr/>
+          <p:nvPr/>
+        </p:nvSpPr>
+        <p:spPr>
+          <a:xfrm>
+            <a:off x="10994934" y="2091045"/>
+            <a:ext cx="6264366" cy="6104909"/>
+          </a:xfrm>
+          <a:custGeom>
+            <a:avLst/>
+            <a:gdLst/>
+            <a:ahLst/>
+            <a:cxnLst/>
+            <a:rect l="l" t="t" r="r" b="b"/>
+            <a:pathLst>
+              <a:path w="6264366" h="6104909">
+                <a:moveTo>
+                  <a:pt x="0" y="0"/>
+                </a:moveTo>
+                <a:lnTo>
+                  <a:pt x="6264366" y="0"/>
+                </a:lnTo>
+                <a:lnTo>
+                  <a:pt x="6264366" y="6104910"/>
+                </a:lnTo>
+                <a:lnTo>
+                  <a:pt x="0" y="6104910"/>
+                </a:lnTo>
+                <a:lnTo>
+                  <a:pt x="0" y="0"/>
+                </a:lnTo>
+                <a:close/>
+              </a:path>
+            </a:pathLst>
+          </a:custGeom>
+          <a:blipFill>
+            <a:blip r:embed="rId3">
+              <a:extLst>
+                <a:ext uri="{96DAC541-7B7A-43D3-8B79-37D633B846F1}">
+                  <asvg:svgBlip xmlns:asvg="http://schemas.microsoft.com/office/drawing/2016/SVG/main" r:embed="rId4"/>
+                </a:ext>
+              </a:extLst>
+            </a:blip>
+            <a:stretch>
+              <a:fillRect/>
+            </a:stretch>
+          </a:blipFill>
+        </p:spPr>
+      </p:sp>
+      <p:sp>
+        <p:nvSpPr>
+          <p:cNvPr id="4" name="TextBox 4">
+            <a:extLst>
+              <a:ext uri="{FF2B5EF4-FFF2-40B4-BE49-F238E27FC236}">
+                <a16:creationId xmlns:a16="http://schemas.microsoft.com/office/drawing/2014/main" id="{049C28D3-F624-243F-AF1C-D6F100BB7FC5}"/>
+              </a:ext>
+            </a:extLst>
+          </p:cNvPr>
+          <p:cNvSpPr txBox="1"/>
+          <p:nvPr/>
+        </p:nvSpPr>
+        <p:spPr>
+          <a:xfrm>
+            <a:off x="1504950" y="2898168"/>
+            <a:ext cx="11144250" cy="2282228"/>
+          </a:xfrm>
+          <a:prstGeom prst="rect">
+            <a:avLst/>
+          </a:prstGeom>
+        </p:spPr>
+        <p:txBody>
+          <a:bodyPr wrap="square" lIns="0" tIns="0" rIns="0" bIns="0" rtlCol="0" anchor="t">
+            <a:spAutoFit/>
+          </a:bodyPr>
+          <a:lstStyle/>
+          <a:p>
+            <a:pPr algn="l">
+              <a:lnSpc>
+                <a:spcPts val="8730"/>
+              </a:lnSpc>
+            </a:pPr>
+            <a:r>
+              <a:rPr lang="en-US" sz="9000" b="1" dirty="0">
+                <a:solidFill>
+                  <a:srgbClr val="000000"/>
+                </a:solidFill>
+                <a:latin typeface="DM Sans Bold"/>
+                <a:ea typeface="DM Sans Bold"/>
+                <a:cs typeface="DM Sans Bold"/>
+                <a:sym typeface="DM Sans Bold"/>
+              </a:rPr>
+              <a:t> </a:t>
+            </a:r>
+            <a:r>
+              <a:rPr lang="en-US" sz="8000" b="1" dirty="0">
+                <a:solidFill>
+                  <a:srgbClr val="000000"/>
+                </a:solidFill>
+                <a:latin typeface="DM Sans Bold"/>
+                <a:ea typeface="DM Sans Bold"/>
+                <a:cs typeface="DM Sans Bold"/>
+                <a:sym typeface="DM Sans Bold"/>
+              </a:rPr>
+              <a:t>Tools/Technologies</a:t>
+            </a:r>
+          </a:p>
+          <a:p>
+            <a:pPr algn="l">
+              <a:lnSpc>
+                <a:spcPts val="8730"/>
+              </a:lnSpc>
+            </a:pPr>
+            <a:r>
+              <a:rPr lang="en-US" sz="8000" b="1" dirty="0">
+                <a:solidFill>
+                  <a:srgbClr val="000000"/>
+                </a:solidFill>
+                <a:latin typeface="DM Sans Bold"/>
+                <a:ea typeface="DM Sans Bold"/>
+                <a:cs typeface="DM Sans Bold"/>
+                <a:sym typeface="DM Sans Bold"/>
+              </a:rPr>
+              <a:t>  Used</a:t>
+            </a:r>
+          </a:p>
+        </p:txBody>
+      </p:sp>
+      <p:sp>
+        <p:nvSpPr>
+          <p:cNvPr id="5" name="TextBox 5">
+            <a:extLst>
+              <a:ext uri="{FF2B5EF4-FFF2-40B4-BE49-F238E27FC236}">
+                <a16:creationId xmlns:a16="http://schemas.microsoft.com/office/drawing/2014/main" id="{6CD7C8BB-933B-9660-5002-AAE12AC5871B}"/>
+              </a:ext>
+            </a:extLst>
+          </p:cNvPr>
+          <p:cNvSpPr txBox="1"/>
+          <p:nvPr/>
+        </p:nvSpPr>
+        <p:spPr>
+          <a:xfrm>
+            <a:off x="1778866" y="5468146"/>
+            <a:ext cx="7707571" cy="1038746"/>
+          </a:xfrm>
+          <a:prstGeom prst="rect">
+            <a:avLst/>
+          </a:prstGeom>
+        </p:spPr>
+        <p:txBody>
+          <a:bodyPr lIns="0" tIns="0" rIns="0" bIns="0" rtlCol="0" anchor="t">
+            <a:spAutoFit/>
+          </a:bodyPr>
+          <a:lstStyle/>
+          <a:p>
+            <a:pPr marL="342900" lvl="0" indent="-342900" algn="l">
+              <a:lnSpc>
+                <a:spcPts val="2699"/>
+              </a:lnSpc>
+              <a:spcBef>
+                <a:spcPct val="0"/>
+              </a:spcBef>
+              <a:buFont typeface="Arial" panose="020B0604020202020204" pitchFamily="34" charset="0"/>
+              <a:buChar char="•"/>
+            </a:pPr>
+            <a:r>
+              <a:rPr lang="en-US" sz="2800" spc="119" dirty="0">
+                <a:solidFill>
+                  <a:srgbClr val="000000"/>
+                </a:solidFill>
+                <a:latin typeface="Arial" panose="020B0604020202020204" pitchFamily="34" charset="0"/>
+                <a:ea typeface="DM Sans"/>
+                <a:cs typeface="Arial" panose="020B0604020202020204" pitchFamily="34" charset="0"/>
+                <a:sym typeface="DM Sans"/>
+              </a:rPr>
+              <a:t>Core JAVA</a:t>
+            </a:r>
+          </a:p>
+          <a:p>
+            <a:pPr marL="342900" lvl="0" indent="-342900" algn="l">
+              <a:lnSpc>
+                <a:spcPts val="2699"/>
+              </a:lnSpc>
+              <a:spcBef>
+                <a:spcPct val="0"/>
+              </a:spcBef>
+              <a:buFont typeface="Arial" panose="020B0604020202020204" pitchFamily="34" charset="0"/>
+              <a:buChar char="•"/>
+            </a:pPr>
+            <a:r>
+              <a:rPr lang="en-US" sz="2800" spc="119" dirty="0">
+                <a:solidFill>
+                  <a:srgbClr val="000000"/>
+                </a:solidFill>
+                <a:latin typeface="Arial" panose="020B0604020202020204" pitchFamily="34" charset="0"/>
+                <a:ea typeface="DM Sans"/>
+                <a:cs typeface="Arial" panose="020B0604020202020204" pitchFamily="34" charset="0"/>
+                <a:sym typeface="DM Sans"/>
+              </a:rPr>
+              <a:t>JDBC</a:t>
+            </a:r>
+          </a:p>
+          <a:p>
+            <a:pPr marL="342900" lvl="0" indent="-342900" algn="l">
+              <a:lnSpc>
+                <a:spcPts val="2699"/>
+              </a:lnSpc>
+              <a:spcBef>
+                <a:spcPct val="0"/>
+              </a:spcBef>
+              <a:buFont typeface="Arial" panose="020B0604020202020204" pitchFamily="34" charset="0"/>
+              <a:buChar char="•"/>
+            </a:pPr>
+            <a:r>
+              <a:rPr lang="en-US" sz="2800" spc="119" dirty="0">
+                <a:solidFill>
+                  <a:srgbClr val="000000"/>
+                </a:solidFill>
+                <a:latin typeface="Arial" panose="020B0604020202020204" pitchFamily="34" charset="0"/>
+                <a:ea typeface="DM Sans"/>
+                <a:cs typeface="Arial" panose="020B0604020202020204" pitchFamily="34" charset="0"/>
+                <a:sym typeface="DM Sans"/>
+              </a:rPr>
+              <a:t>MySQL</a:t>
+            </a:r>
+          </a:p>
+        </p:txBody>
+      </p:sp>
+      <p:sp>
+        <p:nvSpPr>
+          <p:cNvPr id="6" name="Freeform 6">
+            <a:extLst>
+              <a:ext uri="{FF2B5EF4-FFF2-40B4-BE49-F238E27FC236}">
+                <a16:creationId xmlns:a16="http://schemas.microsoft.com/office/drawing/2014/main" id="{0185D221-14C4-EE31-BB74-0E736F36F156}"/>
+              </a:ext>
+            </a:extLst>
+          </p:cNvPr>
+          <p:cNvSpPr/>
+          <p:nvPr/>
+        </p:nvSpPr>
+        <p:spPr>
+          <a:xfrm>
+            <a:off x="15353489" y="8540136"/>
+            <a:ext cx="4602314" cy="3618569"/>
+          </a:xfrm>
+          <a:custGeom>
+            <a:avLst/>
+            <a:gdLst/>
+            <a:ahLst/>
+            <a:cxnLst/>
+            <a:rect l="l" t="t" r="r" b="b"/>
+            <a:pathLst>
+              <a:path w="4602314" h="3618569">
+                <a:moveTo>
+                  <a:pt x="0" y="0"/>
+                </a:moveTo>
+                <a:lnTo>
+                  <a:pt x="4602314" y="0"/>
+                </a:lnTo>
+                <a:lnTo>
+                  <a:pt x="4602314" y="3618570"/>
+                </a:lnTo>
+                <a:lnTo>
+                  <a:pt x="0" y="3618570"/>
+                </a:lnTo>
+                <a:lnTo>
+                  <a:pt x="0" y="0"/>
+                </a:lnTo>
+                <a:close/>
+              </a:path>
+            </a:pathLst>
+          </a:custGeom>
+          <a:blipFill>
+            <a:blip r:embed="rId5">
+              <a:extLst>
+                <a:ext uri="{96DAC541-7B7A-43D3-8B79-37D633B846F1}">
+                  <asvg:svgBlip xmlns:asvg="http://schemas.microsoft.com/office/drawing/2016/SVG/main" r:embed="rId6"/>
+                </a:ext>
+              </a:extLst>
+            </a:blip>
+            <a:stretch>
+              <a:fillRect/>
+            </a:stretch>
+          </a:blipFill>
+          <a:ln cap="sq">
+            <a:noFill/>
+            <a:prstDash val="solid"/>
+            <a:miter/>
+          </a:ln>
+        </p:spPr>
+      </p:sp>
+      <p:sp>
+        <p:nvSpPr>
+          <p:cNvPr id="7" name="Freeform 7">
+            <a:extLst>
+              <a:ext uri="{FF2B5EF4-FFF2-40B4-BE49-F238E27FC236}">
+                <a16:creationId xmlns:a16="http://schemas.microsoft.com/office/drawing/2014/main" id="{0502BB24-1EDD-D88A-E30C-A460FDC42F97}"/>
+              </a:ext>
+            </a:extLst>
+          </p:cNvPr>
+          <p:cNvSpPr/>
+          <p:nvPr/>
+        </p:nvSpPr>
+        <p:spPr>
+          <a:xfrm>
+            <a:off x="-674156" y="-1072630"/>
+            <a:ext cx="4899948" cy="3068592"/>
+          </a:xfrm>
+          <a:custGeom>
+            <a:avLst/>
+            <a:gdLst/>
+            <a:ahLst/>
+            <a:cxnLst/>
+            <a:rect l="l" t="t" r="r" b="b"/>
+            <a:pathLst>
+              <a:path w="4899948" h="3068592">
+                <a:moveTo>
+                  <a:pt x="0" y="0"/>
+                </a:moveTo>
+                <a:lnTo>
+                  <a:pt x="4899948" y="0"/>
+                </a:lnTo>
+                <a:lnTo>
+                  <a:pt x="4899948" y="3068592"/>
+                </a:lnTo>
+                <a:lnTo>
+                  <a:pt x="0" y="3068592"/>
+                </a:lnTo>
+                <a:lnTo>
+                  <a:pt x="0" y="0"/>
+                </a:lnTo>
+                <a:close/>
+              </a:path>
+            </a:pathLst>
+          </a:custGeom>
+          <a:blipFill>
+            <a:blip r:embed="rId7">
+              <a:extLst>
+                <a:ext uri="{96DAC541-7B7A-43D3-8B79-37D633B846F1}">
+                  <asvg:svgBlip xmlns:asvg="http://schemas.microsoft.com/office/drawing/2016/SVG/main" r:embed="rId8"/>
+                </a:ext>
+              </a:extLst>
+            </a:blip>
+            <a:stretch>
+              <a:fillRect/>
+            </a:stretch>
+          </a:blipFill>
+          <a:ln cap="sq">
+            <a:noFill/>
+            <a:prstDash val="solid"/>
+            <a:miter/>
+          </a:ln>
+        </p:spPr>
+      </p:sp>
+      <p:sp>
+        <p:nvSpPr>
+          <p:cNvPr id="8" name="Freeform 8">
+            <a:extLst>
+              <a:ext uri="{FF2B5EF4-FFF2-40B4-BE49-F238E27FC236}">
+                <a16:creationId xmlns:a16="http://schemas.microsoft.com/office/drawing/2014/main" id="{EC2160BE-B28F-AED8-64BE-9C7F461C8BDF}"/>
+              </a:ext>
+            </a:extLst>
+          </p:cNvPr>
+          <p:cNvSpPr/>
+          <p:nvPr/>
+        </p:nvSpPr>
+        <p:spPr>
+          <a:xfrm>
+            <a:off x="9144000" y="9258300"/>
+            <a:ext cx="4076270" cy="2863579"/>
+          </a:xfrm>
+          <a:custGeom>
+            <a:avLst/>
+            <a:gdLst/>
+            <a:ahLst/>
+            <a:cxnLst/>
+            <a:rect l="l" t="t" r="r" b="b"/>
+            <a:pathLst>
+              <a:path w="4076270" h="2863579">
+                <a:moveTo>
+                  <a:pt x="0" y="0"/>
+                </a:moveTo>
+                <a:lnTo>
+                  <a:pt x="4076270" y="0"/>
+                </a:lnTo>
+                <a:lnTo>
+                  <a:pt x="4076270" y="2863579"/>
+                </a:lnTo>
+                <a:lnTo>
+                  <a:pt x="0" y="2863579"/>
+                </a:lnTo>
+                <a:lnTo>
+                  <a:pt x="0" y="0"/>
+                </a:lnTo>
+                <a:close/>
+              </a:path>
+            </a:pathLst>
+          </a:custGeom>
+          <a:blipFill>
+            <a:blip r:embed="rId9">
+              <a:extLst>
+                <a:ext uri="{96DAC541-7B7A-43D3-8B79-37D633B846F1}">
+                  <asvg:svgBlip xmlns:asvg="http://schemas.microsoft.com/office/drawing/2016/SVG/main" r:embed="rId10"/>
+                </a:ext>
+              </a:extLst>
+            </a:blip>
+            <a:stretch>
+              <a:fillRect/>
+            </a:stretch>
+          </a:blipFill>
+          <a:ln cap="sq">
+            <a:noFill/>
+            <a:prstDash val="solid"/>
+            <a:miter/>
+          </a:ln>
+        </p:spPr>
+      </p:sp>
+      <p:sp>
+        <p:nvSpPr>
+          <p:cNvPr id="9" name="Freeform 9">
+            <a:extLst>
+              <a:ext uri="{FF2B5EF4-FFF2-40B4-BE49-F238E27FC236}">
+                <a16:creationId xmlns:a16="http://schemas.microsoft.com/office/drawing/2014/main" id="{865A2B7B-619F-673E-2F95-1B7008F9E9FD}"/>
+              </a:ext>
+            </a:extLst>
+          </p:cNvPr>
+          <p:cNvSpPr/>
+          <p:nvPr/>
+        </p:nvSpPr>
+        <p:spPr>
+          <a:xfrm>
+            <a:off x="5003948" y="-1890601"/>
+            <a:ext cx="2892762" cy="2919301"/>
+          </a:xfrm>
+          <a:custGeom>
+            <a:avLst/>
+            <a:gdLst/>
+            <a:ahLst/>
+            <a:cxnLst/>
+            <a:rect l="l" t="t" r="r" b="b"/>
+            <a:pathLst>
+              <a:path w="2892762" h="2919301">
+                <a:moveTo>
+                  <a:pt x="0" y="0"/>
+                </a:moveTo>
+                <a:lnTo>
+                  <a:pt x="2892762" y="0"/>
+                </a:lnTo>
+                <a:lnTo>
+                  <a:pt x="2892762" y="2919301"/>
+                </a:lnTo>
+                <a:lnTo>
+                  <a:pt x="0" y="2919301"/>
+                </a:lnTo>
+                <a:lnTo>
+                  <a:pt x="0" y="0"/>
+                </a:lnTo>
+                <a:close/>
+              </a:path>
+            </a:pathLst>
+          </a:custGeom>
+          <a:blipFill>
+            <a:blip r:embed="rId11">
+              <a:extLst>
+                <a:ext uri="{96DAC541-7B7A-43D3-8B79-37D633B846F1}">
+                  <asvg:svgBlip xmlns:asvg="http://schemas.microsoft.com/office/drawing/2016/SVG/main" r:embed="rId12"/>
+                </a:ext>
+              </a:extLst>
+            </a:blip>
+            <a:stretch>
+              <a:fillRect/>
+            </a:stretch>
+          </a:blipFill>
+          <a:ln cap="sq">
+            <a:noFill/>
+            <a:prstDash val="solid"/>
+            <a:miter/>
+          </a:ln>
+        </p:spPr>
+      </p:sp>
+      <p:sp>
+        <p:nvSpPr>
+          <p:cNvPr id="10" name="Freeform 10">
+            <a:extLst>
+              <a:ext uri="{FF2B5EF4-FFF2-40B4-BE49-F238E27FC236}">
+                <a16:creationId xmlns:a16="http://schemas.microsoft.com/office/drawing/2014/main" id="{B38582F1-2831-7CEE-9A14-C3E7494E38B8}"/>
+              </a:ext>
+            </a:extLst>
+          </p:cNvPr>
+          <p:cNvSpPr/>
+          <p:nvPr/>
+        </p:nvSpPr>
+        <p:spPr>
+          <a:xfrm rot="-5282649">
+            <a:off x="16004285" y="265374"/>
+            <a:ext cx="4017207" cy="1370872"/>
+          </a:xfrm>
+          <a:custGeom>
+            <a:avLst/>
+            <a:gdLst/>
+            <a:ahLst/>
+            <a:cxnLst/>
+            <a:rect l="l" t="t" r="r" b="b"/>
+            <a:pathLst>
+              <a:path w="4017207" h="1370872">
+                <a:moveTo>
+                  <a:pt x="0" y="0"/>
+                </a:moveTo>
+                <a:lnTo>
+                  <a:pt x="4017207" y="0"/>
+                </a:lnTo>
+                <a:lnTo>
+                  <a:pt x="4017207" y="1370872"/>
+                </a:lnTo>
+                <a:lnTo>
+                  <a:pt x="0" y="1370872"/>
+                </a:lnTo>
+                <a:lnTo>
+                  <a:pt x="0" y="0"/>
+                </a:lnTo>
+                <a:close/>
+              </a:path>
+            </a:pathLst>
+          </a:custGeom>
+          <a:blipFill>
+            <a:blip r:embed="rId13">
+              <a:extLst>
+                <a:ext uri="{96DAC541-7B7A-43D3-8B79-37D633B846F1}">
+                  <asvg:svgBlip xmlns:asvg="http://schemas.microsoft.com/office/drawing/2016/SVG/main" r:embed="rId14"/>
+                </a:ext>
+              </a:extLst>
+            </a:blip>
+            <a:stretch>
+              <a:fillRect/>
+            </a:stretch>
+          </a:blipFill>
+          <a:ln cap="sq">
+            <a:noFill/>
+            <a:prstDash val="solid"/>
+            <a:miter/>
+          </a:ln>
+        </p:spPr>
+      </p:sp>
+    </p:spTree>
+    <p:extLst>
+      <p:ext uri="{BB962C8B-B14F-4D97-AF65-F5344CB8AC3E}">
+        <p14:creationId xmlns:p14="http://schemas.microsoft.com/office/powerpoint/2010/main" val="1648686020"/>
+      </p:ext>
+    </p:extLst>
+  </p:cSld>
+  <p:clrMapOvr>
+    <a:masterClrMapping/>
+  </p:clrMapOvr>
+</p:sld>
+</file>
+
+<file path=ppt/slides/slide6.xml><?xml version="1.0" encoding="utf-8"?>
+<p:sld xmlns:a="http://schemas.openxmlformats.org/drawingml/2006/main" xmlns:r="http://schemas.openxmlformats.org/officeDocument/2006/relationships" xmlns:p="http://schemas.openxmlformats.org/presentationml/2006/main">
   <p:cSld>
     <p:spTree>
       <p:nvGrpSpPr>
@@ -4864,242 +5809,79 @@
           <a:chExt cx="0" cy="0"/>
         </a:xfrm>
       </p:grpSpPr>
-      <p:sp>
-        <p:nvSpPr>
-          <p:cNvPr name="Freeform 2" id="2"/>
-          <p:cNvSpPr/>
-          <p:nvPr/>
-        </p:nvSpPr>
-        <p:spPr>
-          <a:xfrm flipH="false" flipV="false" rot="-5400000">
-            <a:off x="4000500" y="-4000500"/>
-            <a:ext cx="10287000" cy="18288000"/>
-          </a:xfrm>
-          <a:custGeom>
-            <a:avLst/>
-            <a:gdLst/>
-            <a:ahLst/>
-            <a:cxnLst/>
-            <a:rect r="r" b="b" t="t" l="l"/>
-            <a:pathLst>
-              <a:path h="18288000" w="10287000">
-                <a:moveTo>
-                  <a:pt x="10287000" y="0"/>
-                </a:moveTo>
-                <a:lnTo>
-                  <a:pt x="10287000" y="18288000"/>
-                </a:lnTo>
-                <a:lnTo>
-                  <a:pt x="0" y="18288000"/>
-                </a:lnTo>
-                <a:lnTo>
-                  <a:pt x="0" y="0"/>
-                </a:lnTo>
-                <a:lnTo>
-                  <a:pt x="10287000" y="0"/>
-                </a:lnTo>
-                <a:close/>
-              </a:path>
-            </a:pathLst>
-          </a:custGeom>
-          <a:blipFill>
-            <a:blip r:embed="rId2"/>
-            <a:stretch>
-              <a:fillRect l="-71867" t="-3631" r="-74156" b="-2747"/>
-            </a:stretch>
-          </a:blipFill>
-        </p:spPr>
-      </p:sp>
-      <p:sp>
-        <p:nvSpPr>
-          <p:cNvPr name="Freeform 3" id="3"/>
-          <p:cNvSpPr/>
-          <p:nvPr/>
-        </p:nvSpPr>
-        <p:spPr>
-          <a:xfrm flipH="false" flipV="false" rot="-5282649">
-            <a:off x="753178" y="3852356"/>
-            <a:ext cx="7567145" cy="2582288"/>
-          </a:xfrm>
-          <a:custGeom>
-            <a:avLst/>
-            <a:gdLst/>
-            <a:ahLst/>
-            <a:cxnLst/>
-            <a:rect r="r" b="b" t="t" l="l"/>
-            <a:pathLst>
-              <a:path h="2582288" w="7567145">
-                <a:moveTo>
-                  <a:pt x="0" y="0"/>
-                </a:moveTo>
-                <a:lnTo>
-                  <a:pt x="7567144" y="0"/>
-                </a:lnTo>
-                <a:lnTo>
-                  <a:pt x="7567144" y="2582288"/>
-                </a:lnTo>
-                <a:lnTo>
-                  <a:pt x="0" y="2582288"/>
-                </a:lnTo>
-                <a:lnTo>
-                  <a:pt x="0" y="0"/>
-                </a:lnTo>
-                <a:close/>
-              </a:path>
-            </a:pathLst>
-          </a:custGeom>
-          <a:blipFill>
-            <a:blip r:embed="rId3">
-              <a:extLst>
-                <a:ext uri="{96DAC541-7B7A-43D3-8B79-37D633B846F1}">
-                  <asvg:svgBlip xmlns:asvg="http://schemas.microsoft.com/office/drawing/2016/SVG/main" r:embed="rId4"/>
-                </a:ext>
-              </a:extLst>
-            </a:blip>
-            <a:stretch>
-              <a:fillRect l="0" t="0" r="0" b="0"/>
-            </a:stretch>
-          </a:blipFill>
-          <a:ln cap="sq">
-            <a:noFill/>
-            <a:prstDash val="solid"/>
-            <a:miter/>
-          </a:ln>
-        </p:spPr>
-      </p:sp>
-      <p:sp>
-        <p:nvSpPr>
-          <p:cNvPr name="Freeform 4" id="4"/>
-          <p:cNvSpPr/>
-          <p:nvPr/>
-        </p:nvSpPr>
-        <p:spPr>
-          <a:xfrm flipH="false" flipV="false" rot="0">
-            <a:off x="1780231" y="2037564"/>
-            <a:ext cx="5513037" cy="6211873"/>
-          </a:xfrm>
-          <a:custGeom>
-            <a:avLst/>
-            <a:gdLst/>
-            <a:ahLst/>
-            <a:cxnLst/>
-            <a:rect r="r" b="b" t="t" l="l"/>
-            <a:pathLst>
-              <a:path h="6211873" w="5513037">
-                <a:moveTo>
-                  <a:pt x="0" y="0"/>
-                </a:moveTo>
-                <a:lnTo>
-                  <a:pt x="5513038" y="0"/>
-                </a:lnTo>
-                <a:lnTo>
-                  <a:pt x="5513038" y="6211872"/>
-                </a:lnTo>
-                <a:lnTo>
-                  <a:pt x="0" y="6211872"/>
-                </a:lnTo>
-                <a:lnTo>
-                  <a:pt x="0" y="0"/>
-                </a:lnTo>
-                <a:close/>
-              </a:path>
-            </a:pathLst>
-          </a:custGeom>
-          <a:blipFill>
-            <a:blip r:embed="rId5">
-              <a:extLst>
-                <a:ext uri="{96DAC541-7B7A-43D3-8B79-37D633B846F1}">
-                  <asvg:svgBlip xmlns:asvg="http://schemas.microsoft.com/office/drawing/2016/SVG/main" r:embed="rId6"/>
-                </a:ext>
-              </a:extLst>
-            </a:blip>
-            <a:stretch>
-              <a:fillRect l="0" t="0" r="0" b="0"/>
-            </a:stretch>
-          </a:blipFill>
-        </p:spPr>
-      </p:sp>
-      <p:sp>
-        <p:nvSpPr>
-          <p:cNvPr name="TextBox 5" id="5"/>
-          <p:cNvSpPr txBox="true"/>
-          <p:nvPr/>
-        </p:nvSpPr>
-        <p:spPr>
-          <a:xfrm rot="0">
-            <a:off x="8659015" y="2345718"/>
-            <a:ext cx="7848753" cy="2282190"/>
+      <p:pic>
+        <p:nvPicPr>
+          <p:cNvPr id="5" name="Picture 4">
+            <a:extLst>
+              <a:ext uri="{FF2B5EF4-FFF2-40B4-BE49-F238E27FC236}">
+                <a16:creationId xmlns:a16="http://schemas.microsoft.com/office/drawing/2014/main" id="{0B872A7F-5A0A-70CE-84BE-570F55AA3D48}"/>
+              </a:ext>
+            </a:extLst>
+          </p:cNvPr>
+          <p:cNvPicPr>
+            <a:picLocks noChangeAspect="1"/>
+          </p:cNvPicPr>
+          <p:nvPr/>
+        </p:nvPicPr>
+        <p:blipFill>
+          <a:blip r:embed="rId2">
+            <a:extLst>
+              <a:ext uri="{28A0092B-C50C-407E-A947-70E740481C1C}">
+                <a14:useLocalDpi xmlns:a14="http://schemas.microsoft.com/office/drawing/2010/main" val="0"/>
+              </a:ext>
+            </a:extLst>
+          </a:blip>
+          <a:stretch>
+            <a:fillRect/>
+          </a:stretch>
+        </p:blipFill>
+        <p:spPr>
+          <a:xfrm>
+            <a:off x="1219199" y="967256"/>
+            <a:ext cx="15877601" cy="8367243"/>
           </a:xfrm>
           <a:prstGeom prst="rect">
             <a:avLst/>
           </a:prstGeom>
         </p:spPr>
+      </p:pic>
+      <p:sp>
+        <p:nvSpPr>
+          <p:cNvPr id="3" name="TextBox 3"/>
+          <p:cNvSpPr txBox="1"/>
+          <p:nvPr/>
+        </p:nvSpPr>
+        <p:spPr>
+          <a:xfrm>
+            <a:off x="13704558" y="5048250"/>
+            <a:ext cx="3669042" cy="874214"/>
+          </a:xfrm>
+          <a:prstGeom prst="rect">
+            <a:avLst/>
+          </a:prstGeom>
+        </p:spPr>
         <p:txBody>
-          <a:bodyPr anchor="t" rtlCol="false" tIns="0" lIns="0" bIns="0" rIns="0">
+          <a:bodyPr wrap="square" lIns="0" tIns="0" rIns="0" bIns="0" rtlCol="0" anchor="t">
             <a:spAutoFit/>
           </a:bodyPr>
           <a:lstStyle/>
           <a:p>
-            <a:pPr algn="l">
+            <a:pPr algn="ctr">
               <a:lnSpc>
-                <a:spcPts val="8730"/>
+                <a:spcPts val="7279"/>
               </a:lnSpc>
             </a:pPr>
             <a:r>
-              <a:rPr lang="en-US" sz="9000" b="true">
+              <a:rPr lang="en-US" sz="5199" b="1" dirty="0">
                 <a:solidFill>
-                  <a:srgbClr val="000000"/>
+                  <a:schemeClr val="bg1"/>
                 </a:solidFill>
-                <a:latin typeface="DM Sans Bold"/>
-                <a:ea typeface="DM Sans Bold"/>
-                <a:cs typeface="DM Sans Bold"/>
-                <a:sym typeface="DM Sans Bold"/>
+                <a:latin typeface="Britannic Bold" panose="020B0903060703020204" pitchFamily="34" charset="0"/>
+                <a:ea typeface="Canva Sans Bold"/>
+                <a:cs typeface="Canva Sans Bold"/>
+                <a:sym typeface="Canva Sans Bold"/>
               </a:rPr>
-              <a:t> Problem Statement</a:t>
-            </a:r>
-          </a:p>
-        </p:txBody>
-      </p:sp>
-      <p:sp>
-        <p:nvSpPr>
-          <p:cNvPr name="TextBox 6" id="6"/>
-          <p:cNvSpPr txBox="true"/>
-          <p:nvPr/>
-        </p:nvSpPr>
-        <p:spPr>
-          <a:xfrm rot="0">
-            <a:off x="8659015" y="4807557"/>
-            <a:ext cx="7707571" cy="1657350"/>
-          </a:xfrm>
-          <a:prstGeom prst="rect">
-            <a:avLst/>
-          </a:prstGeom>
-        </p:spPr>
-        <p:txBody>
-          <a:bodyPr anchor="t" rtlCol="false" tIns="0" lIns="0" bIns="0" rIns="0">
-            <a:spAutoFit/>
-          </a:bodyPr>
-          <a:lstStyle/>
-          <a:p>
-            <a:pPr algn="l" marL="0" indent="0" lvl="0">
-              <a:lnSpc>
-                <a:spcPts val="2699"/>
-              </a:lnSpc>
-              <a:spcBef>
-                <a:spcPct val="0"/>
-              </a:spcBef>
-            </a:pPr>
-            <a:r>
-              <a:rPr lang="en-US" sz="1999" spc="119">
-                <a:solidFill>
-                  <a:srgbClr val="000000"/>
-                </a:solidFill>
-                <a:latin typeface="DM Sans"/>
-                <a:ea typeface="DM Sans"/>
-                <a:cs typeface="DM Sans"/>
-                <a:sym typeface="DM Sans"/>
-              </a:rPr>
-              <a:t>One of the common struggles in shared expenses is keeping track of who owes what. Without a proper system, it can be confusing to figure out who paid, who still needs to pay, and how much each person owes. This often leads to disputes and mistakes.</a:t>
+              <a:t> Logic??</a:t>
             </a:r>
           </a:p>
         </p:txBody>
@@ -5112,8 +5894,8 @@
 </p:sld>
 </file>
 
-<file path=ppt/slides/slide5.xml><?xml version="1.0" encoding="utf-8"?>
-<p:sld xmlns:p="http://schemas.openxmlformats.org/presentationml/2006/main" xmlns:a="http://schemas.openxmlformats.org/drawingml/2006/main" xmlns:r="http://schemas.openxmlformats.org/officeDocument/2006/relationships">
+<file path=ppt/slides/slide7.xml><?xml version="1.0" encoding="utf-8"?>
+<p:sld xmlns:a="http://schemas.openxmlformats.org/drawingml/2006/main" xmlns:r="http://schemas.openxmlformats.org/officeDocument/2006/relationships" xmlns:p="http://schemas.openxmlformats.org/presentationml/2006/main">
   <p:cSld>
     <p:spTree>
       <p:nvGrpSpPr>
@@ -5131,37 +5913,37 @@
       </p:grpSpPr>
       <p:sp>
         <p:nvSpPr>
-          <p:cNvPr name="Freeform 2" id="2"/>
+          <p:cNvPr id="2" name="Freeform 2"/>
           <p:cNvSpPr/>
           <p:nvPr/>
         </p:nvSpPr>
         <p:spPr>
-          <a:xfrm flipH="false" flipV="false" rot="0">
-            <a:off x="0" y="0"/>
-            <a:ext cx="18288000" cy="10287000"/>
+          <a:xfrm rot="-5400000">
+            <a:off x="4000500" y="-4000500"/>
+            <a:ext cx="10287000" cy="18288000"/>
           </a:xfrm>
           <a:custGeom>
             <a:avLst/>
             <a:gdLst/>
             <a:ahLst/>
             <a:cxnLst/>
-            <a:rect r="r" b="b" t="t" l="l"/>
+            <a:rect l="l" t="t" r="r" b="b"/>
             <a:pathLst>
-              <a:path h="10287000" w="18288000">
+              <a:path w="10287000" h="18288000">
                 <a:moveTo>
-                  <a:pt x="0" y="0"/>
+                  <a:pt x="10287000" y="0"/>
                 </a:moveTo>
                 <a:lnTo>
-                  <a:pt x="18288000" y="0"/>
-                </a:lnTo>
-                <a:lnTo>
-                  <a:pt x="18288000" y="10287000"/>
-                </a:lnTo>
-                <a:lnTo>
-                  <a:pt x="0" y="10287000"/>
-                </a:lnTo>
-                <a:lnTo>
-                  <a:pt x="0" y="0"/>
+                  <a:pt x="10287000" y="18288000"/>
+                </a:lnTo>
+                <a:lnTo>
+                  <a:pt x="0" y="18288000"/>
+                </a:lnTo>
+                <a:lnTo>
+                  <a:pt x="0" y="0"/>
+                </a:lnTo>
+                <a:lnTo>
+                  <a:pt x="10287000" y="0"/>
                 </a:lnTo>
                 <a:close/>
               </a:path>
@@ -5170,28 +5952,144 @@
           <a:blipFill>
             <a:blip r:embed="rId2"/>
             <a:stretch>
-              <a:fillRect l="-111" t="0" r="-111" b="0"/>
+              <a:fillRect l="-71867" t="-3631" r="-74156" b="-2747"/>
             </a:stretch>
           </a:blipFill>
         </p:spPr>
       </p:sp>
       <p:sp>
         <p:nvSpPr>
-          <p:cNvPr name="TextBox 3" id="3"/>
-          <p:cNvSpPr txBox="true"/>
-          <p:nvPr/>
-        </p:nvSpPr>
-        <p:spPr>
-          <a:xfrm rot="0">
-            <a:off x="13704558" y="5048250"/>
-            <a:ext cx="2546509" cy="887095"/>
+          <p:cNvPr id="3" name="Freeform 3"/>
+          <p:cNvSpPr/>
+          <p:nvPr/>
+        </p:nvSpPr>
+        <p:spPr>
+          <a:xfrm>
+            <a:off x="1318164" y="2243352"/>
+            <a:ext cx="5588765" cy="5588765"/>
+          </a:xfrm>
+          <a:custGeom>
+            <a:avLst/>
+            <a:gdLst/>
+            <a:ahLst/>
+            <a:cxnLst/>
+            <a:rect l="l" t="t" r="r" b="b"/>
+            <a:pathLst>
+              <a:path w="5588765" h="5588765">
+                <a:moveTo>
+                  <a:pt x="0" y="0"/>
+                </a:moveTo>
+                <a:lnTo>
+                  <a:pt x="5588765" y="0"/>
+                </a:lnTo>
+                <a:lnTo>
+                  <a:pt x="5588765" y="5588765"/>
+                </a:lnTo>
+                <a:lnTo>
+                  <a:pt x="0" y="5588765"/>
+                </a:lnTo>
+                <a:lnTo>
+                  <a:pt x="0" y="0"/>
+                </a:lnTo>
+                <a:close/>
+              </a:path>
+            </a:pathLst>
+          </a:custGeom>
+          <a:blipFill>
+            <a:blip r:embed="rId3"/>
+            <a:stretch>
+              <a:fillRect/>
+            </a:stretch>
+          </a:blipFill>
+        </p:spPr>
+      </p:sp>
+      <p:sp>
+        <p:nvSpPr>
+          <p:cNvPr id="4" name="Freeform 4"/>
+          <p:cNvSpPr/>
+          <p:nvPr/>
+        </p:nvSpPr>
+        <p:spPr>
+          <a:xfrm>
+            <a:off x="11198139" y="2243352"/>
+            <a:ext cx="5370901" cy="5370901"/>
+          </a:xfrm>
+          <a:custGeom>
+            <a:avLst/>
+            <a:gdLst/>
+            <a:ahLst/>
+            <a:cxnLst/>
+            <a:rect l="l" t="t" r="r" b="b"/>
+            <a:pathLst>
+              <a:path w="5370901" h="5370901">
+                <a:moveTo>
+                  <a:pt x="0" y="0"/>
+                </a:moveTo>
+                <a:lnTo>
+                  <a:pt x="5370901" y="0"/>
+                </a:lnTo>
+                <a:lnTo>
+                  <a:pt x="5370901" y="5370901"/>
+                </a:lnTo>
+                <a:lnTo>
+                  <a:pt x="0" y="5370901"/>
+                </a:lnTo>
+                <a:lnTo>
+                  <a:pt x="0" y="0"/>
+                </a:lnTo>
+                <a:close/>
+              </a:path>
+            </a:pathLst>
+          </a:custGeom>
+          <a:blipFill>
+            <a:blip r:embed="rId4"/>
+            <a:stretch>
+              <a:fillRect/>
+            </a:stretch>
+          </a:blipFill>
+        </p:spPr>
+      </p:sp>
+      <p:sp>
+        <p:nvSpPr>
+          <p:cNvPr id="5" name="AutoShape 5"/>
+          <p:cNvSpPr/>
+          <p:nvPr/>
+        </p:nvSpPr>
+        <p:spPr>
+          <a:xfrm>
+            <a:off x="7215105" y="5432964"/>
+            <a:ext cx="3857790" cy="0"/>
+          </a:xfrm>
+          <a:prstGeom prst="line">
+            <a:avLst/>
+          </a:prstGeom>
+          <a:ln w="38100" cap="flat">
+            <a:solidFill>
+              <a:srgbClr val="000000"/>
+            </a:solidFill>
+            <a:prstDash val="solid"/>
+            <a:headEnd type="none" w="sm" len="sm"/>
+            <a:tailEnd type="arrow" w="med" len="sm"/>
+          </a:ln>
+        </p:spPr>
+      </p:sp>
+      <p:sp>
+        <p:nvSpPr>
+          <p:cNvPr id="6" name="TextBox 6"/>
+          <p:cNvSpPr txBox="1"/>
+          <p:nvPr/>
+        </p:nvSpPr>
+        <p:spPr>
+          <a:xfrm>
+            <a:off x="3021710" y="1178760"/>
+            <a:ext cx="2339102" cy="887095"/>
           </a:xfrm>
           <a:prstGeom prst="rect">
             <a:avLst/>
           </a:prstGeom>
         </p:spPr>
         <p:txBody>
-          <a:bodyPr anchor="t" rtlCol="false" tIns="0" lIns="0" bIns="0" rIns="0">
+          <a:bodyPr lIns="0" tIns="0" rIns="0" bIns="0" rtlCol="0" anchor="t">
             <a:spAutoFit/>
           </a:bodyPr>
           <a:lstStyle/>
@@ -5202,16 +6100,57 @@
               </a:lnSpc>
             </a:pPr>
             <a:r>
-              <a:rPr lang="en-US" sz="5199" b="true">
+              <a:rPr lang="en-US" sz="5199" b="1">
                 <a:solidFill>
-                  <a:srgbClr val="100F0D"/>
+                  <a:srgbClr val="000000"/>
                 </a:solidFill>
                 <a:latin typeface="Canva Sans Bold"/>
                 <a:ea typeface="Canva Sans Bold"/>
                 <a:cs typeface="Canva Sans Bold"/>
                 <a:sym typeface="Canva Sans Bold"/>
               </a:rPr>
-              <a:t> Logic??</a:t>
+              <a:t>Before </a:t>
+            </a:r>
+          </a:p>
+        </p:txBody>
+      </p:sp>
+      <p:sp>
+        <p:nvSpPr>
+          <p:cNvPr id="7" name="TextBox 7"/>
+          <p:cNvSpPr txBox="1"/>
+          <p:nvPr/>
+        </p:nvSpPr>
+        <p:spPr>
+          <a:xfrm>
+            <a:off x="12820901" y="1178760"/>
+            <a:ext cx="1813917" cy="887095"/>
+          </a:xfrm>
+          <a:prstGeom prst="rect">
+            <a:avLst/>
+          </a:prstGeom>
+        </p:spPr>
+        <p:txBody>
+          <a:bodyPr lIns="0" tIns="0" rIns="0" bIns="0" rtlCol="0" anchor="t">
+            <a:spAutoFit/>
+          </a:bodyPr>
+          <a:lstStyle/>
+          <a:p>
+            <a:pPr algn="ctr">
+              <a:lnSpc>
+                <a:spcPts val="7279"/>
+              </a:lnSpc>
+            </a:pPr>
+            <a:r>
+              <a:rPr lang="en-US" sz="5199" b="1">
+                <a:solidFill>
+                  <a:srgbClr val="000000"/>
+                </a:solidFill>
+                <a:latin typeface="Canva Sans Bold"/>
+                <a:ea typeface="Canva Sans Bold"/>
+                <a:cs typeface="Canva Sans Bold"/>
+                <a:sym typeface="Canva Sans Bold"/>
+              </a:rPr>
+              <a:t> After</a:t>
             </a:r>
           </a:p>
         </p:txBody>
@@ -5224,8 +6163,8 @@
 </p:sld>
 </file>
 
-<file path=ppt/slides/slide6.xml><?xml version="1.0" encoding="utf-8"?>
-<p:sld xmlns:p="http://schemas.openxmlformats.org/presentationml/2006/main" xmlns:a="http://schemas.openxmlformats.org/drawingml/2006/main" xmlns:r="http://schemas.openxmlformats.org/officeDocument/2006/relationships">
+<file path=ppt/slides/slide8.xml><?xml version="1.0" encoding="utf-8"?>
+<p:sld xmlns:a="http://schemas.openxmlformats.org/drawingml/2006/main" xmlns:r="http://schemas.openxmlformats.org/officeDocument/2006/relationships" xmlns:p="http://schemas.openxmlformats.org/presentationml/2006/main">
   <p:cSld>
     <p:spTree>
       <p:nvGrpSpPr>
@@ -5243,12 +6182,12 @@
       </p:grpSpPr>
       <p:sp>
         <p:nvSpPr>
-          <p:cNvPr name="Freeform 2" id="2"/>
+          <p:cNvPr id="2" name="Freeform 2"/>
           <p:cNvSpPr/>
           <p:nvPr/>
         </p:nvSpPr>
         <p:spPr>
-          <a:xfrm flipH="false" flipV="false" rot="-5400000">
+          <a:xfrm rot="-5400000">
             <a:off x="4000500" y="-4000500"/>
             <a:ext cx="10287000" cy="18288000"/>
           </a:xfrm>
@@ -5257,9 +6196,9 @@
             <a:gdLst/>
             <a:ahLst/>
             <a:cxnLst/>
-            <a:rect r="r" b="b" t="t" l="l"/>
+            <a:rect l="l" t="t" r="r" b="b"/>
             <a:pathLst>
-              <a:path h="18288000" w="10287000">
+              <a:path w="10287000" h="18288000">
                 <a:moveTo>
                   <a:pt x="10287000" y="0"/>
                 </a:moveTo>
@@ -5289,305 +6228,36 @@
       </p:sp>
       <p:sp>
         <p:nvSpPr>
-          <p:cNvPr name="Freeform 3" id="3"/>
+          <p:cNvPr id="3" name="AutoShape 3"/>
           <p:cNvSpPr/>
           <p:nvPr/>
         </p:nvSpPr>
         <p:spPr>
-          <a:xfrm flipH="false" flipV="false" rot="0">
-            <a:off x="1318164" y="2243352"/>
-            <a:ext cx="5588765" cy="5588765"/>
-          </a:xfrm>
-          <a:custGeom>
-            <a:avLst/>
-            <a:gdLst/>
-            <a:ahLst/>
-            <a:cxnLst/>
-            <a:rect r="r" b="b" t="t" l="l"/>
-            <a:pathLst>
-              <a:path h="5588765" w="5588765">
-                <a:moveTo>
-                  <a:pt x="0" y="0"/>
-                </a:moveTo>
-                <a:lnTo>
-                  <a:pt x="5588765" y="0"/>
-                </a:lnTo>
-                <a:lnTo>
-                  <a:pt x="5588765" y="5588765"/>
-                </a:lnTo>
-                <a:lnTo>
-                  <a:pt x="0" y="5588765"/>
-                </a:lnTo>
-                <a:lnTo>
-                  <a:pt x="0" y="0"/>
-                </a:lnTo>
-                <a:close/>
-              </a:path>
-            </a:pathLst>
-          </a:custGeom>
-          <a:blipFill>
-            <a:blip r:embed="rId3"/>
-            <a:stretch>
-              <a:fillRect l="0" t="0" r="0" b="0"/>
-            </a:stretch>
-          </a:blipFill>
-        </p:spPr>
-      </p:sp>
-      <p:sp>
-        <p:nvSpPr>
-          <p:cNvPr name="Freeform 4" id="4"/>
-          <p:cNvSpPr/>
-          <p:nvPr/>
-        </p:nvSpPr>
-        <p:spPr>
-          <a:xfrm flipH="false" flipV="false" rot="0">
-            <a:off x="11198139" y="2243352"/>
-            <a:ext cx="5370901" cy="5370901"/>
-          </a:xfrm>
-          <a:custGeom>
-            <a:avLst/>
-            <a:gdLst/>
-            <a:ahLst/>
-            <a:cxnLst/>
-            <a:rect r="r" b="b" t="t" l="l"/>
-            <a:pathLst>
-              <a:path h="5370901" w="5370901">
-                <a:moveTo>
-                  <a:pt x="0" y="0"/>
-                </a:moveTo>
-                <a:lnTo>
-                  <a:pt x="5370901" y="0"/>
-                </a:lnTo>
-                <a:lnTo>
-                  <a:pt x="5370901" y="5370901"/>
-                </a:lnTo>
-                <a:lnTo>
-                  <a:pt x="0" y="5370901"/>
-                </a:lnTo>
-                <a:lnTo>
-                  <a:pt x="0" y="0"/>
-                </a:lnTo>
-                <a:close/>
-              </a:path>
-            </a:pathLst>
-          </a:custGeom>
-          <a:blipFill>
-            <a:blip r:embed="rId4"/>
-            <a:stretch>
-              <a:fillRect l="0" t="0" r="0" b="0"/>
-            </a:stretch>
-          </a:blipFill>
-        </p:spPr>
-      </p:sp>
-      <p:sp>
-        <p:nvSpPr>
-          <p:cNvPr name="AutoShape 5" id="5"/>
-          <p:cNvSpPr/>
-          <p:nvPr/>
-        </p:nvSpPr>
-        <p:spPr>
-          <a:xfrm>
-            <a:off x="7215105" y="5432964"/>
-            <a:ext cx="3857790" cy="0"/>
+          <a:xfrm flipV="1">
+            <a:off x="-6846161" y="5078832"/>
+            <a:ext cx="25134161" cy="0"/>
           </a:xfrm>
           <a:prstGeom prst="line">
             <a:avLst/>
           </a:prstGeom>
-          <a:ln cap="flat" w="38100">
+          <a:ln w="28575" cap="flat">
             <a:solidFill>
               <a:srgbClr val="000000"/>
             </a:solidFill>
             <a:prstDash val="solid"/>
-            <a:headEnd type="none" len="sm" w="sm"/>
-            <a:tailEnd type="arrow" len="sm" w="med"/>
-          </a:ln>
-        </p:spPr>
-      </p:sp>
-      <p:sp>
-        <p:nvSpPr>
-          <p:cNvPr name="TextBox 6" id="6"/>
-          <p:cNvSpPr txBox="true"/>
-          <p:nvPr/>
-        </p:nvSpPr>
-        <p:spPr>
-          <a:xfrm rot="0">
-            <a:off x="3021710" y="1178760"/>
-            <a:ext cx="2339102" cy="887095"/>
-          </a:xfrm>
-          <a:prstGeom prst="rect">
-            <a:avLst/>
-          </a:prstGeom>
-        </p:spPr>
-        <p:txBody>
-          <a:bodyPr anchor="t" rtlCol="false" tIns="0" lIns="0" bIns="0" rIns="0">
-            <a:spAutoFit/>
-          </a:bodyPr>
-          <a:lstStyle/>
-          <a:p>
-            <a:pPr algn="ctr">
-              <a:lnSpc>
-                <a:spcPts val="7279"/>
-              </a:lnSpc>
-            </a:pPr>
-            <a:r>
-              <a:rPr lang="en-US" sz="5199" b="true">
-                <a:solidFill>
-                  <a:srgbClr val="000000"/>
-                </a:solidFill>
-                <a:latin typeface="Canva Sans Bold"/>
-                <a:ea typeface="Canva Sans Bold"/>
-                <a:cs typeface="Canva Sans Bold"/>
-                <a:sym typeface="Canva Sans Bold"/>
-              </a:rPr>
-              <a:t>Before </a:t>
-            </a:r>
-          </a:p>
-        </p:txBody>
-      </p:sp>
-      <p:sp>
-        <p:nvSpPr>
-          <p:cNvPr name="TextBox 7" id="7"/>
-          <p:cNvSpPr txBox="true"/>
-          <p:nvPr/>
-        </p:nvSpPr>
-        <p:spPr>
-          <a:xfrm rot="0">
-            <a:off x="12820901" y="1178760"/>
-            <a:ext cx="1813917" cy="887095"/>
-          </a:xfrm>
-          <a:prstGeom prst="rect">
-            <a:avLst/>
-          </a:prstGeom>
-        </p:spPr>
-        <p:txBody>
-          <a:bodyPr anchor="t" rtlCol="false" tIns="0" lIns="0" bIns="0" rIns="0">
-            <a:spAutoFit/>
-          </a:bodyPr>
-          <a:lstStyle/>
-          <a:p>
-            <a:pPr algn="ctr">
-              <a:lnSpc>
-                <a:spcPts val="7279"/>
-              </a:lnSpc>
-            </a:pPr>
-            <a:r>
-              <a:rPr lang="en-US" sz="5199" b="true">
-                <a:solidFill>
-                  <a:srgbClr val="000000"/>
-                </a:solidFill>
-                <a:latin typeface="Canva Sans Bold"/>
-                <a:ea typeface="Canva Sans Bold"/>
-                <a:cs typeface="Canva Sans Bold"/>
-                <a:sym typeface="Canva Sans Bold"/>
-              </a:rPr>
-              <a:t> After</a:t>
-            </a:r>
-          </a:p>
-        </p:txBody>
-      </p:sp>
-    </p:spTree>
-  </p:cSld>
-  <p:clrMapOvr>
-    <a:masterClrMapping/>
-  </p:clrMapOvr>
-</p:sld>
-</file>
-
-<file path=ppt/slides/slide7.xml><?xml version="1.0" encoding="utf-8"?>
-<p:sld xmlns:p="http://schemas.openxmlformats.org/presentationml/2006/main" xmlns:a="http://schemas.openxmlformats.org/drawingml/2006/main" xmlns:r="http://schemas.openxmlformats.org/officeDocument/2006/relationships">
-  <p:cSld>
-    <p:spTree>
-      <p:nvGrpSpPr>
-        <p:cNvPr id="1" name=""/>
-        <p:cNvGrpSpPr/>
-        <p:nvPr/>
-      </p:nvGrpSpPr>
-      <p:grpSpPr>
-        <a:xfrm>
-          <a:off x="0" y="0"/>
-          <a:ext cx="0" cy="0"/>
-          <a:chOff x="0" y="0"/>
-          <a:chExt cx="0" cy="0"/>
-        </a:xfrm>
-      </p:grpSpPr>
-      <p:sp>
-        <p:nvSpPr>
-          <p:cNvPr name="Freeform 2" id="2"/>
-          <p:cNvSpPr/>
-          <p:nvPr/>
-        </p:nvSpPr>
-        <p:spPr>
-          <a:xfrm flipH="false" flipV="false" rot="-5400000">
-            <a:off x="4000500" y="-4000500"/>
-            <a:ext cx="10287000" cy="18288000"/>
-          </a:xfrm>
-          <a:custGeom>
-            <a:avLst/>
-            <a:gdLst/>
-            <a:ahLst/>
-            <a:cxnLst/>
-            <a:rect r="r" b="b" t="t" l="l"/>
-            <a:pathLst>
-              <a:path h="18288000" w="10287000">
-                <a:moveTo>
-                  <a:pt x="10287000" y="0"/>
-                </a:moveTo>
-                <a:lnTo>
-                  <a:pt x="10287000" y="18288000"/>
-                </a:lnTo>
-                <a:lnTo>
-                  <a:pt x="0" y="18288000"/>
-                </a:lnTo>
-                <a:lnTo>
-                  <a:pt x="0" y="0"/>
-                </a:lnTo>
-                <a:lnTo>
-                  <a:pt x="10287000" y="0"/>
-                </a:lnTo>
-                <a:close/>
-              </a:path>
-            </a:pathLst>
-          </a:custGeom>
-          <a:blipFill>
-            <a:blip r:embed="rId2"/>
-            <a:stretch>
-              <a:fillRect l="-71867" t="-3631" r="-74156" b="-2747"/>
-            </a:stretch>
-          </a:blipFill>
-        </p:spPr>
-      </p:sp>
-      <p:sp>
-        <p:nvSpPr>
-          <p:cNvPr name="AutoShape 3" id="3"/>
-          <p:cNvSpPr/>
-          <p:nvPr/>
-        </p:nvSpPr>
-        <p:spPr>
-          <a:xfrm flipV="true">
-            <a:off x="-6846161" y="5078832"/>
-            <a:ext cx="25134161" cy="0"/>
-          </a:xfrm>
-          <a:prstGeom prst="line">
-            <a:avLst/>
-          </a:prstGeom>
-          <a:ln cap="flat" w="28575">
-            <a:solidFill>
-              <a:srgbClr val="000000"/>
-            </a:solidFill>
-            <a:prstDash val="solid"/>
-            <a:headEnd type="none" len="sm" w="sm"/>
-            <a:tailEnd type="none" len="sm" w="sm"/>
+            <a:headEnd type="none" w="sm" len="sm"/>
+            <a:tailEnd type="none" w="sm" len="sm"/>
           </a:ln>
         </p:spPr>
       </p:sp>
       <p:grpSp>
         <p:nvGrpSpPr>
-          <p:cNvPr name="Group 4" id="4"/>
+          <p:cNvPr id="4" name="Group 4"/>
           <p:cNvGrpSpPr/>
           <p:nvPr/>
         </p:nvGrpSpPr>
         <p:grpSpPr>
-          <a:xfrm rot="0">
+          <a:xfrm>
             <a:off x="4285724" y="4827804"/>
             <a:ext cx="502056" cy="502056"/>
             <a:chOff x="0" y="0"/>
@@ -5596,12 +6266,12 @@
         </p:grpSpPr>
         <p:sp>
           <p:nvSpPr>
-            <p:cNvPr name="Freeform 5" id="5"/>
+            <p:cNvPr id="5" name="Freeform 5"/>
             <p:cNvSpPr/>
             <p:nvPr/>
           </p:nvSpPr>
           <p:spPr>
-            <a:xfrm flipH="false" flipV="false" rot="0">
+            <a:xfrm>
               <a:off x="0" y="0"/>
               <a:ext cx="812800" cy="812800"/>
             </a:xfrm>
@@ -5610,9 +6280,9 @@
               <a:gdLst/>
               <a:ahLst/>
               <a:cxnLst/>
-              <a:rect r="r" b="b" t="t" l="l"/>
+              <a:rect l="l" t="t" r="r" b="b"/>
               <a:pathLst>
-                <a:path h="812800" w="812800">
+                <a:path w="812800" h="812800">
                   <a:moveTo>
                     <a:pt x="406400" y="0"/>
                   </a:moveTo>
@@ -5656,8 +6326,8 @@
         </p:sp>
         <p:sp>
           <p:nvSpPr>
-            <p:cNvPr name="TextBox 6" id="6"/>
-            <p:cNvSpPr txBox="true"/>
+            <p:cNvPr id="6" name="TextBox 6"/>
+            <p:cNvSpPr txBox="1"/>
             <p:nvPr/>
           </p:nvSpPr>
           <p:spPr>
@@ -5670,10 +6340,10 @@
             </a:prstGeom>
           </p:spPr>
           <p:txBody>
-            <a:bodyPr anchor="ctr" rtlCol="false" tIns="50800" lIns="50800" bIns="50800" rIns="50800"/>
+            <a:bodyPr lIns="50800" tIns="50800" rIns="50800" bIns="50800" rtlCol="0" anchor="ctr"/>
             <a:lstStyle/>
             <a:p>
-              <a:pPr algn="ctr" marL="0" indent="0" lvl="0">
+              <a:pPr marL="0" lvl="0" indent="0" algn="ctr">
                 <a:lnSpc>
                   <a:spcPts val="2266"/>
                 </a:lnSpc>
@@ -5681,18 +6351,19 @@
                   <a:spcPct val="0"/>
                 </a:spcBef>
               </a:pPr>
+              <a:endParaRPr/>
             </a:p>
           </p:txBody>
         </p:sp>
       </p:grpSp>
       <p:grpSp>
         <p:nvGrpSpPr>
-          <p:cNvPr name="Group 7" id="7"/>
+          <p:cNvPr id="7" name="Group 7"/>
           <p:cNvGrpSpPr/>
           <p:nvPr/>
         </p:nvGrpSpPr>
         <p:grpSpPr>
-          <a:xfrm rot="0">
+          <a:xfrm>
             <a:off x="957878" y="4823914"/>
             <a:ext cx="502056" cy="502056"/>
             <a:chOff x="0" y="0"/>
@@ -5701,12 +6372,12 @@
         </p:grpSpPr>
         <p:sp>
           <p:nvSpPr>
-            <p:cNvPr name="Freeform 8" id="8"/>
+            <p:cNvPr id="8" name="Freeform 8"/>
             <p:cNvSpPr/>
             <p:nvPr/>
           </p:nvSpPr>
           <p:spPr>
-            <a:xfrm flipH="false" flipV="false" rot="0">
+            <a:xfrm>
               <a:off x="0" y="0"/>
               <a:ext cx="812800" cy="812800"/>
             </a:xfrm>
@@ -5715,9 +6386,9 @@
               <a:gdLst/>
               <a:ahLst/>
               <a:cxnLst/>
-              <a:rect r="r" b="b" t="t" l="l"/>
+              <a:rect l="l" t="t" r="r" b="b"/>
               <a:pathLst>
-                <a:path h="812800" w="812800">
+                <a:path w="812800" h="812800">
                   <a:moveTo>
                     <a:pt x="406400" y="0"/>
                   </a:moveTo>
@@ -5756,8 +6427,8 @@
         </p:sp>
         <p:sp>
           <p:nvSpPr>
-            <p:cNvPr name="TextBox 9" id="9"/>
-            <p:cNvSpPr txBox="true"/>
+            <p:cNvPr id="9" name="TextBox 9"/>
+            <p:cNvSpPr txBox="1"/>
             <p:nvPr/>
           </p:nvSpPr>
           <p:spPr>
@@ -5770,7 +6441,7 @@
             </a:prstGeom>
           </p:spPr>
           <p:txBody>
-            <a:bodyPr anchor="ctr" rtlCol="false" tIns="50800" lIns="50800" bIns="50800" rIns="50800"/>
+            <a:bodyPr lIns="50800" tIns="50800" rIns="50800" bIns="50800" rtlCol="0" anchor="ctr"/>
             <a:lstStyle/>
             <a:p>
               <a:pPr algn="ctr">
@@ -5778,18 +6449,19 @@
                   <a:spcPts val="2266"/>
                 </a:lnSpc>
               </a:pPr>
+              <a:endParaRPr/>
             </a:p>
           </p:txBody>
         </p:sp>
       </p:grpSp>
       <p:grpSp>
         <p:nvGrpSpPr>
-          <p:cNvPr name="Group 10" id="10"/>
+          <p:cNvPr id="10" name="Group 10"/>
           <p:cNvGrpSpPr/>
           <p:nvPr/>
         </p:nvGrpSpPr>
         <p:grpSpPr>
-          <a:xfrm rot="0">
+          <a:xfrm>
             <a:off x="8211037" y="4823914"/>
             <a:ext cx="502056" cy="502056"/>
             <a:chOff x="0" y="0"/>
@@ -5798,12 +6470,12 @@
         </p:grpSpPr>
         <p:sp>
           <p:nvSpPr>
-            <p:cNvPr name="Freeform 11" id="11"/>
+            <p:cNvPr id="11" name="Freeform 11"/>
             <p:cNvSpPr/>
             <p:nvPr/>
           </p:nvSpPr>
           <p:spPr>
-            <a:xfrm flipH="false" flipV="false" rot="0">
+            <a:xfrm>
               <a:off x="0" y="0"/>
               <a:ext cx="812800" cy="812800"/>
             </a:xfrm>
@@ -5812,9 +6484,9 @@
               <a:gdLst/>
               <a:ahLst/>
               <a:cxnLst/>
-              <a:rect r="r" b="b" t="t" l="l"/>
+              <a:rect l="l" t="t" r="r" b="b"/>
               <a:pathLst>
-                <a:path h="812800" w="812800">
+                <a:path w="812800" h="812800">
                   <a:moveTo>
                     <a:pt x="406400" y="0"/>
                   </a:moveTo>
@@ -5858,8 +6530,8 @@
         </p:sp>
         <p:sp>
           <p:nvSpPr>
-            <p:cNvPr name="TextBox 12" id="12"/>
-            <p:cNvSpPr txBox="true"/>
+            <p:cNvPr id="12" name="TextBox 12"/>
+            <p:cNvSpPr txBox="1"/>
             <p:nvPr/>
           </p:nvSpPr>
           <p:spPr>
@@ -5872,10 +6544,10 @@
             </a:prstGeom>
           </p:spPr>
           <p:txBody>
-            <a:bodyPr anchor="ctr" rtlCol="false" tIns="50800" lIns="50800" bIns="50800" rIns="50800"/>
+            <a:bodyPr lIns="50800" tIns="50800" rIns="50800" bIns="50800" rtlCol="0" anchor="ctr"/>
             <a:lstStyle/>
             <a:p>
-              <a:pPr algn="ctr" marL="0" indent="0" lvl="0">
+              <a:pPr marL="0" lvl="0" indent="0" algn="ctr">
                 <a:lnSpc>
                   <a:spcPts val="2266"/>
                 </a:lnSpc>
@@ -5883,18 +6555,19 @@
                   <a:spcPct val="0"/>
                 </a:spcBef>
               </a:pPr>
+              <a:endParaRPr/>
             </a:p>
           </p:txBody>
         </p:sp>
       </p:grpSp>
       <p:grpSp>
         <p:nvGrpSpPr>
-          <p:cNvPr name="Group 13" id="13"/>
+          <p:cNvPr id="13" name="Group 13"/>
           <p:cNvGrpSpPr/>
           <p:nvPr/>
         </p:nvGrpSpPr>
         <p:grpSpPr>
-          <a:xfrm rot="0">
+          <a:xfrm>
             <a:off x="11792954" y="4823914"/>
             <a:ext cx="502056" cy="502056"/>
             <a:chOff x="0" y="0"/>
@@ -5903,12 +6576,12 @@
         </p:grpSpPr>
         <p:sp>
           <p:nvSpPr>
-            <p:cNvPr name="Freeform 14" id="14"/>
+            <p:cNvPr id="14" name="Freeform 14"/>
             <p:cNvSpPr/>
             <p:nvPr/>
           </p:nvSpPr>
           <p:spPr>
-            <a:xfrm flipH="false" flipV="false" rot="0">
+            <a:xfrm>
               <a:off x="0" y="0"/>
               <a:ext cx="812800" cy="812800"/>
             </a:xfrm>
@@ -5917,9 +6590,9 @@
               <a:gdLst/>
               <a:ahLst/>
               <a:cxnLst/>
-              <a:rect r="r" b="b" t="t" l="l"/>
+              <a:rect l="l" t="t" r="r" b="b"/>
               <a:pathLst>
-                <a:path h="812800" w="812800">
+                <a:path w="812800" h="812800">
                   <a:moveTo>
                     <a:pt x="406400" y="0"/>
                   </a:moveTo>
@@ -5963,8 +6636,8 @@
         </p:sp>
         <p:sp>
           <p:nvSpPr>
-            <p:cNvPr name="TextBox 15" id="15"/>
-            <p:cNvSpPr txBox="true"/>
+            <p:cNvPr id="15" name="TextBox 15"/>
+            <p:cNvSpPr txBox="1"/>
             <p:nvPr/>
           </p:nvSpPr>
           <p:spPr>
@@ -5977,10 +6650,10 @@
             </a:prstGeom>
           </p:spPr>
           <p:txBody>
-            <a:bodyPr anchor="ctr" rtlCol="false" tIns="50800" lIns="50800" bIns="50800" rIns="50800"/>
+            <a:bodyPr lIns="50800" tIns="50800" rIns="50800" bIns="50800" rtlCol="0" anchor="ctr"/>
             <a:lstStyle/>
             <a:p>
-              <a:pPr algn="ctr" marL="0" indent="0" lvl="0">
+              <a:pPr marL="0" lvl="0" indent="0" algn="ctr">
                 <a:lnSpc>
                   <a:spcPts val="2266"/>
                 </a:lnSpc>
@@ -5988,18 +6661,19 @@
                   <a:spcPct val="0"/>
                 </a:spcBef>
               </a:pPr>
+              <a:endParaRPr/>
             </a:p>
           </p:txBody>
         </p:sp>
       </p:grpSp>
       <p:sp>
         <p:nvSpPr>
-          <p:cNvPr name="TextBox 16" id="16"/>
-          <p:cNvSpPr txBox="true"/>
-          <p:nvPr/>
-        </p:nvSpPr>
-        <p:spPr>
-          <a:xfrm rot="0">
+          <p:cNvPr id="16" name="TextBox 16"/>
+          <p:cNvSpPr txBox="1"/>
+          <p:nvPr/>
+        </p:nvSpPr>
+        <p:spPr>
+          <a:xfrm>
             <a:off x="4732501" y="2459889"/>
             <a:ext cx="8822997" cy="1177290"/>
           </a:xfrm>
@@ -6008,12 +6682,12 @@
           </a:prstGeom>
         </p:spPr>
         <p:txBody>
-          <a:bodyPr anchor="t" rtlCol="false" tIns="0" lIns="0" bIns="0" rIns="0">
+          <a:bodyPr lIns="0" tIns="0" rIns="0" bIns="0" rtlCol="0" anchor="t">
             <a:spAutoFit/>
           </a:bodyPr>
           <a:lstStyle/>
           <a:p>
-            <a:pPr algn="ctr" marL="0" indent="0" lvl="1">
+            <a:pPr marL="0" lvl="1" indent="0" algn="ctr">
               <a:lnSpc>
                 <a:spcPts val="8730"/>
               </a:lnSpc>
@@ -6022,7 +6696,7 @@
               </a:spcBef>
             </a:pPr>
             <a:r>
-              <a:rPr lang="en-US" b="true" sz="9000">
+              <a:rPr lang="en-US" sz="9000" b="1">
                 <a:solidFill>
                   <a:srgbClr val="000000"/>
                 </a:solidFill>
@@ -6038,12 +6712,12 @@
       </p:sp>
       <p:sp>
         <p:nvSpPr>
-          <p:cNvPr name="TextBox 17" id="17"/>
-          <p:cNvSpPr txBox="true"/>
-          <p:nvPr/>
-        </p:nvSpPr>
-        <p:spPr>
-          <a:xfrm rot="0">
+          <p:cNvPr id="17" name="TextBox 17"/>
+          <p:cNvSpPr txBox="1"/>
+          <p:nvPr/>
+        </p:nvSpPr>
+        <p:spPr>
+          <a:xfrm>
             <a:off x="957878" y="5616041"/>
             <a:ext cx="2197323" cy="679451"/>
           </a:xfrm>
@@ -6052,7 +6726,7 @@
           </a:prstGeom>
         </p:spPr>
         <p:txBody>
-          <a:bodyPr anchor="t" rtlCol="false" tIns="0" lIns="0" bIns="0" rIns="0">
+          <a:bodyPr lIns="0" tIns="0" rIns="0" bIns="0" rtlCol="0" anchor="t">
             <a:spAutoFit/>
           </a:bodyPr>
           <a:lstStyle/>
@@ -6063,7 +6737,7 @@
               </a:lnSpc>
             </a:pPr>
             <a:r>
-              <a:rPr lang="en-US" sz="5000" b="true">
+              <a:rPr lang="en-US" sz="5000" b="1">
                 <a:solidFill>
                   <a:srgbClr val="000000"/>
                 </a:solidFill>
@@ -6079,12 +6753,12 @@
       </p:sp>
       <p:sp>
         <p:nvSpPr>
-          <p:cNvPr name="TextBox 18" id="18"/>
-          <p:cNvSpPr txBox="true"/>
-          <p:nvPr/>
-        </p:nvSpPr>
-        <p:spPr>
-          <a:xfrm rot="0">
+          <p:cNvPr id="18" name="TextBox 18"/>
+          <p:cNvSpPr txBox="1"/>
+          <p:nvPr/>
+        </p:nvSpPr>
+        <p:spPr>
+          <a:xfrm>
             <a:off x="4304027" y="5619930"/>
             <a:ext cx="2197323" cy="679451"/>
           </a:xfrm>
@@ -6093,7 +6767,7 @@
           </a:prstGeom>
         </p:spPr>
         <p:txBody>
-          <a:bodyPr anchor="t" rtlCol="false" tIns="0" lIns="0" bIns="0" rIns="0">
+          <a:bodyPr lIns="0" tIns="0" rIns="0" bIns="0" rtlCol="0" anchor="t">
             <a:spAutoFit/>
           </a:bodyPr>
           <a:lstStyle/>
@@ -6104,7 +6778,7 @@
               </a:lnSpc>
             </a:pPr>
             <a:r>
-              <a:rPr lang="en-US" sz="5000" b="true">
+              <a:rPr lang="en-US" sz="5000" b="1">
                 <a:solidFill>
                   <a:srgbClr val="000000"/>
                 </a:solidFill>
@@ -6120,12 +6794,12 @@
       </p:sp>
       <p:sp>
         <p:nvSpPr>
-          <p:cNvPr name="TextBox 19" id="19"/>
-          <p:cNvSpPr txBox="true"/>
-          <p:nvPr/>
-        </p:nvSpPr>
-        <p:spPr>
-          <a:xfrm rot="0">
+          <p:cNvPr id="19" name="TextBox 19"/>
+          <p:cNvSpPr txBox="1"/>
+          <p:nvPr/>
+        </p:nvSpPr>
+        <p:spPr>
+          <a:xfrm>
             <a:off x="957878" y="6428841"/>
             <a:ext cx="2646492" cy="375286"/>
           </a:xfrm>
@@ -6134,7 +6808,7 @@
           </a:prstGeom>
         </p:spPr>
         <p:txBody>
-          <a:bodyPr anchor="t" rtlCol="false" tIns="0" lIns="0" bIns="0" rIns="0">
+          <a:bodyPr lIns="0" tIns="0" rIns="0" bIns="0" rtlCol="0" anchor="t">
             <a:spAutoFit/>
           </a:bodyPr>
           <a:lstStyle/>
@@ -6161,12 +6835,12 @@
       </p:sp>
       <p:sp>
         <p:nvSpPr>
-          <p:cNvPr name="TextBox 20" id="20"/>
-          <p:cNvSpPr txBox="true"/>
-          <p:nvPr/>
-        </p:nvSpPr>
-        <p:spPr>
-          <a:xfrm rot="0">
+          <p:cNvPr id="20" name="TextBox 20"/>
+          <p:cNvSpPr txBox="1"/>
+          <p:nvPr/>
+        </p:nvSpPr>
+        <p:spPr>
+          <a:xfrm>
             <a:off x="4304027" y="6432731"/>
             <a:ext cx="2732862" cy="765811"/>
           </a:xfrm>
@@ -6175,12 +6849,12 @@
           </a:prstGeom>
         </p:spPr>
         <p:txBody>
-          <a:bodyPr anchor="t" rtlCol="false" tIns="0" lIns="0" bIns="0" rIns="0">
+          <a:bodyPr lIns="0" tIns="0" rIns="0" bIns="0" rtlCol="0" anchor="t">
             <a:spAutoFit/>
           </a:bodyPr>
           <a:lstStyle/>
           <a:p>
-            <a:pPr algn="l" marL="0" indent="0" lvl="0">
+            <a:pPr marL="0" lvl="0" indent="0" algn="l">
               <a:lnSpc>
                 <a:spcPts val="3119"/>
               </a:lnSpc>
@@ -6189,7 +6863,7 @@
               </a:spcBef>
             </a:pPr>
             <a:r>
-              <a:rPr lang="en-US" sz="1999" strike="noStrike" u="none">
+              <a:rPr lang="en-US" sz="1999" u="none" strike="noStrike">
                 <a:solidFill>
                   <a:srgbClr val="000000"/>
                 </a:solidFill>
@@ -6205,12 +6879,12 @@
       </p:sp>
       <p:sp>
         <p:nvSpPr>
-          <p:cNvPr name="TextBox 21" id="21"/>
-          <p:cNvSpPr txBox="true"/>
-          <p:nvPr/>
-        </p:nvSpPr>
-        <p:spPr>
-          <a:xfrm rot="0">
+          <p:cNvPr id="21" name="TextBox 21"/>
+          <p:cNvSpPr txBox="1"/>
+          <p:nvPr/>
+        </p:nvSpPr>
+        <p:spPr>
+          <a:xfrm>
             <a:off x="8229340" y="5616041"/>
             <a:ext cx="2197323" cy="679451"/>
           </a:xfrm>
@@ -6219,7 +6893,7 @@
           </a:prstGeom>
         </p:spPr>
         <p:txBody>
-          <a:bodyPr anchor="t" rtlCol="false" tIns="0" lIns="0" bIns="0" rIns="0">
+          <a:bodyPr lIns="0" tIns="0" rIns="0" bIns="0" rtlCol="0" anchor="t">
             <a:spAutoFit/>
           </a:bodyPr>
           <a:lstStyle/>
@@ -6230,7 +6904,7 @@
               </a:lnSpc>
             </a:pPr>
             <a:r>
-              <a:rPr lang="en-US" sz="5000" b="true">
+              <a:rPr lang="en-US" sz="5000" b="1">
                 <a:solidFill>
                   <a:srgbClr val="000000"/>
                 </a:solidFill>
@@ -6246,12 +6920,12 @@
       </p:sp>
       <p:sp>
         <p:nvSpPr>
-          <p:cNvPr name="TextBox 22" id="22"/>
-          <p:cNvSpPr txBox="true"/>
-          <p:nvPr/>
-        </p:nvSpPr>
-        <p:spPr>
-          <a:xfrm rot="0">
+          <p:cNvPr id="22" name="TextBox 22"/>
+          <p:cNvSpPr txBox="1"/>
+          <p:nvPr/>
+        </p:nvSpPr>
+        <p:spPr>
+          <a:xfrm>
             <a:off x="8229340" y="6428841"/>
             <a:ext cx="2747991" cy="765811"/>
           </a:xfrm>
@@ -6260,12 +6934,12 @@
           </a:prstGeom>
         </p:spPr>
         <p:txBody>
-          <a:bodyPr anchor="t" rtlCol="false" tIns="0" lIns="0" bIns="0" rIns="0">
+          <a:bodyPr lIns="0" tIns="0" rIns="0" bIns="0" rtlCol="0" anchor="t">
             <a:spAutoFit/>
           </a:bodyPr>
           <a:lstStyle/>
           <a:p>
-            <a:pPr algn="l" marL="0" indent="0" lvl="0">
+            <a:pPr marL="0" lvl="0" indent="0" algn="l">
               <a:lnSpc>
                 <a:spcPts val="3119"/>
               </a:lnSpc>
@@ -6274,7 +6948,7 @@
               </a:spcBef>
             </a:pPr>
             <a:r>
-              <a:rPr lang="en-US" sz="1999" strike="noStrike" u="none">
+              <a:rPr lang="en-US" sz="1999" u="none" strike="noStrike">
                 <a:solidFill>
                   <a:srgbClr val="000000"/>
                 </a:solidFill>
@@ -6290,12 +6964,12 @@
       </p:sp>
       <p:sp>
         <p:nvSpPr>
-          <p:cNvPr name="TextBox 23" id="23"/>
-          <p:cNvSpPr txBox="true"/>
-          <p:nvPr/>
-        </p:nvSpPr>
-        <p:spPr>
-          <a:xfrm rot="0">
+          <p:cNvPr id="23" name="TextBox 23"/>
+          <p:cNvSpPr txBox="1"/>
+          <p:nvPr/>
+        </p:nvSpPr>
+        <p:spPr>
+          <a:xfrm>
             <a:off x="11811257" y="5616041"/>
             <a:ext cx="2197323" cy="679451"/>
           </a:xfrm>
@@ -6304,7 +6978,7 @@
           </a:prstGeom>
         </p:spPr>
         <p:txBody>
-          <a:bodyPr anchor="t" rtlCol="false" tIns="0" lIns="0" bIns="0" rIns="0">
+          <a:bodyPr lIns="0" tIns="0" rIns="0" bIns="0" rtlCol="0" anchor="t">
             <a:spAutoFit/>
           </a:bodyPr>
           <a:lstStyle/>
@@ -6315,7 +6989,7 @@
               </a:lnSpc>
             </a:pPr>
             <a:r>
-              <a:rPr lang="en-US" sz="5000" b="true">
+              <a:rPr lang="en-US" sz="5000" b="1">
                 <a:solidFill>
                   <a:srgbClr val="000000"/>
                 </a:solidFill>
@@ -6331,12 +7005,12 @@
       </p:sp>
       <p:sp>
         <p:nvSpPr>
-          <p:cNvPr name="TextBox 24" id="24"/>
-          <p:cNvSpPr txBox="true"/>
-          <p:nvPr/>
-        </p:nvSpPr>
-        <p:spPr>
-          <a:xfrm rot="0">
+          <p:cNvPr id="24" name="TextBox 24"/>
+          <p:cNvSpPr txBox="1"/>
+          <p:nvPr/>
+        </p:nvSpPr>
+        <p:spPr>
+          <a:xfrm>
             <a:off x="11811257" y="6428841"/>
             <a:ext cx="2646492" cy="375286"/>
           </a:xfrm>
@@ -6345,12 +7019,12 @@
           </a:prstGeom>
         </p:spPr>
         <p:txBody>
-          <a:bodyPr anchor="t" rtlCol="false" tIns="0" lIns="0" bIns="0" rIns="0">
+          <a:bodyPr lIns="0" tIns="0" rIns="0" bIns="0" rtlCol="0" anchor="t">
             <a:spAutoFit/>
           </a:bodyPr>
           <a:lstStyle/>
           <a:p>
-            <a:pPr algn="l" marL="0" indent="0" lvl="0">
+            <a:pPr marL="0" lvl="0" indent="0" algn="l">
               <a:lnSpc>
                 <a:spcPts val="3119"/>
               </a:lnSpc>
@@ -6359,7 +7033,7 @@
               </a:spcBef>
             </a:pPr>
             <a:r>
-              <a:rPr lang="en-US" sz="1999" strike="noStrike" u="none">
+              <a:rPr lang="en-US" sz="1999" u="none" strike="noStrike">
                 <a:solidFill>
                   <a:srgbClr val="000000"/>
                 </a:solidFill>
@@ -6375,12 +7049,12 @@
       </p:sp>
       <p:sp>
         <p:nvSpPr>
-          <p:cNvPr name="Freeform 25" id="25"/>
+          <p:cNvPr id="25" name="Freeform 25"/>
           <p:cNvSpPr/>
           <p:nvPr/>
         </p:nvSpPr>
         <p:spPr>
-          <a:xfrm flipH="false" flipV="false" rot="0">
+          <a:xfrm>
             <a:off x="-1573240" y="8893298"/>
             <a:ext cx="4051334" cy="2765036"/>
           </a:xfrm>
@@ -6389,9 +7063,9 @@
             <a:gdLst/>
             <a:ahLst/>
             <a:cxnLst/>
-            <a:rect r="r" b="b" t="t" l="l"/>
+            <a:rect l="l" t="t" r="r" b="b"/>
             <a:pathLst>
-              <a:path h="2765036" w="4051334">
+              <a:path w="4051334" h="2765036">
                 <a:moveTo>
                   <a:pt x="0" y="0"/>
                 </a:moveTo>
@@ -6420,19 +7094,19 @@
               </a:extLst>
             </a:blip>
             <a:stretch>
-              <a:fillRect l="0" t="0" r="0" b="0"/>
+              <a:fillRect/>
             </a:stretch>
           </a:blipFill>
         </p:spPr>
       </p:sp>
       <p:sp>
         <p:nvSpPr>
-          <p:cNvPr name="Freeform 26" id="26"/>
+          <p:cNvPr id="26" name="Freeform 26"/>
           <p:cNvSpPr/>
           <p:nvPr/>
         </p:nvSpPr>
         <p:spPr>
-          <a:xfrm flipH="false" flipV="false" rot="0">
+          <a:xfrm>
             <a:off x="15262955" y="8864586"/>
             <a:ext cx="4602314" cy="3618569"/>
           </a:xfrm>
@@ -6441,9 +7115,9 @@
             <a:gdLst/>
             <a:ahLst/>
             <a:cxnLst/>
-            <a:rect r="r" b="b" t="t" l="l"/>
+            <a:rect l="l" t="t" r="r" b="b"/>
             <a:pathLst>
-              <a:path h="3618569" w="4602314">
+              <a:path w="4602314" h="3618569">
                 <a:moveTo>
                   <a:pt x="0" y="0"/>
                 </a:moveTo>
@@ -6472,7 +7146,7 @@
               </a:extLst>
             </a:blip>
             <a:stretch>
-              <a:fillRect l="0" t="0" r="0" b="0"/>
+              <a:fillRect/>
             </a:stretch>
           </a:blipFill>
           <a:ln cap="sq">
@@ -6484,12 +7158,12 @@
       </p:sp>
       <p:sp>
         <p:nvSpPr>
-          <p:cNvPr name="Freeform 27" id="27"/>
+          <p:cNvPr id="27" name="Freeform 27"/>
           <p:cNvSpPr/>
           <p:nvPr/>
         </p:nvSpPr>
         <p:spPr>
-          <a:xfrm flipH="false" flipV="false" rot="0">
+          <a:xfrm>
             <a:off x="-674156" y="-1322787"/>
             <a:ext cx="4224468" cy="2645573"/>
           </a:xfrm>
@@ -6498,9 +7172,9 @@
             <a:gdLst/>
             <a:ahLst/>
             <a:cxnLst/>
-            <a:rect r="r" b="b" t="t" l="l"/>
+            <a:rect l="l" t="t" r="r" b="b"/>
             <a:pathLst>
-              <a:path h="2645573" w="4224468">
+              <a:path w="4224468" h="2645573">
                 <a:moveTo>
                   <a:pt x="0" y="0"/>
                 </a:moveTo>
@@ -6529,7 +7203,7 @@
               </a:extLst>
             </a:blip>
             <a:stretch>
-              <a:fillRect l="0" t="0" r="0" b="0"/>
+              <a:fillRect/>
             </a:stretch>
           </a:blipFill>
           <a:ln cap="sq">
@@ -6541,12 +7215,12 @@
       </p:sp>
       <p:sp>
         <p:nvSpPr>
-          <p:cNvPr name="Freeform 28" id="28"/>
+          <p:cNvPr id="28" name="Freeform 28"/>
           <p:cNvSpPr/>
           <p:nvPr/>
         </p:nvSpPr>
         <p:spPr>
-          <a:xfrm flipH="false" flipV="false" rot="0">
+          <a:xfrm>
             <a:off x="11101574" y="9560661"/>
             <a:ext cx="3169280" cy="2226419"/>
           </a:xfrm>
@@ -6555,9 +7229,9 @@
             <a:gdLst/>
             <a:ahLst/>
             <a:cxnLst/>
-            <a:rect r="r" b="b" t="t" l="l"/>
+            <a:rect l="l" t="t" r="r" b="b"/>
             <a:pathLst>
-              <a:path h="2226419" w="3169280">
+              <a:path w="3169280" h="2226419">
                 <a:moveTo>
                   <a:pt x="0" y="0"/>
                 </a:moveTo>
@@ -6586,7 +7260,7 @@
               </a:extLst>
             </a:blip>
             <a:stretch>
-              <a:fillRect l="0" t="0" r="0" b="0"/>
+              <a:fillRect/>
             </a:stretch>
           </a:blipFill>
           <a:ln cap="sq">
@@ -6598,12 +7272,12 @@
       </p:sp>
       <p:sp>
         <p:nvSpPr>
-          <p:cNvPr name="Freeform 29" id="29"/>
+          <p:cNvPr id="29" name="Freeform 29"/>
           <p:cNvSpPr/>
           <p:nvPr/>
         </p:nvSpPr>
         <p:spPr>
-          <a:xfrm flipH="false" flipV="false" rot="0">
+          <a:xfrm>
             <a:off x="9653627" y="-3037933"/>
             <a:ext cx="5493058" cy="4114800"/>
           </a:xfrm>
@@ -6612,9 +7286,9 @@
             <a:gdLst/>
             <a:ahLst/>
             <a:cxnLst/>
-            <a:rect r="r" b="b" t="t" l="l"/>
+            <a:rect l="l" t="t" r="r" b="b"/>
             <a:pathLst>
-              <a:path h="4114800" w="5493058">
+              <a:path w="5493058" h="4114800">
                 <a:moveTo>
                   <a:pt x="0" y="0"/>
                 </a:moveTo>
@@ -6643,7 +7317,7 @@
               </a:extLst>
             </a:blip>
             <a:stretch>
-              <a:fillRect l="0" t="0" r="0" b="0"/>
+              <a:fillRect/>
             </a:stretch>
           </a:blipFill>
           <a:ln cap="sq">
@@ -6655,12 +7329,12 @@
       </p:sp>
       <p:sp>
         <p:nvSpPr>
-          <p:cNvPr name="Freeform 30" id="30"/>
+          <p:cNvPr id="30" name="Freeform 30"/>
           <p:cNvSpPr/>
           <p:nvPr/>
         </p:nvSpPr>
         <p:spPr>
-          <a:xfrm flipH="false" flipV="false" rot="-5400000">
+          <a:xfrm rot="-5400000">
             <a:off x="4745771" y="-1877331"/>
             <a:ext cx="2892762" cy="2919301"/>
           </a:xfrm>
@@ -6669,9 +7343,9 @@
             <a:gdLst/>
             <a:ahLst/>
             <a:cxnLst/>
-            <a:rect r="r" b="b" t="t" l="l"/>
+            <a:rect l="l" t="t" r="r" b="b"/>
             <a:pathLst>
-              <a:path h="2919301" w="2892762">
+              <a:path w="2892762" h="2919301">
                 <a:moveTo>
                   <a:pt x="0" y="0"/>
                 </a:moveTo>
@@ -6700,7 +7374,7 @@
               </a:extLst>
             </a:blip>
             <a:stretch>
-              <a:fillRect l="0" t="0" r="0" b="0"/>
+              <a:fillRect/>
             </a:stretch>
           </a:blipFill>
           <a:ln cap="sq">
@@ -6712,12 +7386,12 @@
       </p:sp>
       <p:sp>
         <p:nvSpPr>
-          <p:cNvPr name="Freeform 31" id="31"/>
+          <p:cNvPr id="31" name="Freeform 31"/>
           <p:cNvSpPr/>
           <p:nvPr/>
         </p:nvSpPr>
         <p:spPr>
-          <a:xfrm flipH="false" flipV="false" rot="0">
+          <a:xfrm>
             <a:off x="2932282" y="9271808"/>
             <a:ext cx="2587020" cy="2386526"/>
           </a:xfrm>
@@ -6726,9 +7400,9 @@
             <a:gdLst/>
             <a:ahLst/>
             <a:cxnLst/>
-            <a:rect r="r" b="b" t="t" l="l"/>
+            <a:rect l="l" t="t" r="r" b="b"/>
             <a:pathLst>
-              <a:path h="2386526" w="2587020">
+              <a:path w="2587020" h="2386526">
                 <a:moveTo>
                   <a:pt x="0" y="0"/>
                 </a:moveTo>
@@ -6757,7 +7431,7 @@
               </a:extLst>
             </a:blip>
             <a:stretch>
-              <a:fillRect l="0" t="0" r="0" b="0"/>
+              <a:fillRect/>
             </a:stretch>
           </a:blipFill>
           <a:ln cap="sq">
@@ -6769,12 +7443,12 @@
       </p:sp>
       <p:sp>
         <p:nvSpPr>
-          <p:cNvPr name="Freeform 32" id="32"/>
+          <p:cNvPr id="32" name="Freeform 32"/>
           <p:cNvSpPr/>
           <p:nvPr/>
         </p:nvSpPr>
         <p:spPr>
-          <a:xfrm flipH="false" flipV="false" rot="0">
+          <a:xfrm>
             <a:off x="15262955" y="-1072630"/>
             <a:ext cx="1996345" cy="2149497"/>
           </a:xfrm>
@@ -6783,9 +7457,9 @@
             <a:gdLst/>
             <a:ahLst/>
             <a:cxnLst/>
-            <a:rect r="r" b="b" t="t" l="l"/>
+            <a:rect l="l" t="t" r="r" b="b"/>
             <a:pathLst>
-              <a:path h="2149497" w="1996345">
+              <a:path w="1996345" h="2149497">
                 <a:moveTo>
                   <a:pt x="0" y="0"/>
                 </a:moveTo>
@@ -6814,7 +7488,7 @@
               </a:extLst>
             </a:blip>
             <a:stretch>
-              <a:fillRect l="0" t="0" r="0" b="0"/>
+              <a:fillRect/>
             </a:stretch>
           </a:blipFill>
           <a:ln cap="sq">
@@ -6826,12 +7500,12 @@
       </p:sp>
       <p:grpSp>
         <p:nvGrpSpPr>
-          <p:cNvPr name="Group 33" id="33"/>
+          <p:cNvPr id="33" name="Group 33"/>
           <p:cNvGrpSpPr/>
           <p:nvPr/>
         </p:nvGrpSpPr>
         <p:grpSpPr>
-          <a:xfrm rot="0">
+          <a:xfrm>
             <a:off x="14895657" y="4827804"/>
             <a:ext cx="502056" cy="502056"/>
             <a:chOff x="0" y="0"/>
@@ -6840,12 +7514,12 @@
         </p:grpSpPr>
         <p:sp>
           <p:nvSpPr>
-            <p:cNvPr name="Freeform 34" id="34"/>
+            <p:cNvPr id="34" name="Freeform 34"/>
             <p:cNvSpPr/>
             <p:nvPr/>
           </p:nvSpPr>
           <p:spPr>
-            <a:xfrm flipH="false" flipV="false" rot="0">
+            <a:xfrm>
               <a:off x="0" y="0"/>
               <a:ext cx="812800" cy="812800"/>
             </a:xfrm>
@@ -6854,9 +7528,9 @@
               <a:gdLst/>
               <a:ahLst/>
               <a:cxnLst/>
-              <a:rect r="r" b="b" t="t" l="l"/>
+              <a:rect l="l" t="t" r="r" b="b"/>
               <a:pathLst>
-                <a:path h="812800" w="812800">
+                <a:path w="812800" h="812800">
                   <a:moveTo>
                     <a:pt x="406400" y="0"/>
                   </a:moveTo>
@@ -6900,8 +7574,8 @@
         </p:sp>
         <p:sp>
           <p:nvSpPr>
-            <p:cNvPr name="TextBox 35" id="35"/>
-            <p:cNvSpPr txBox="true"/>
+            <p:cNvPr id="35" name="TextBox 35"/>
+            <p:cNvSpPr txBox="1"/>
             <p:nvPr/>
           </p:nvSpPr>
           <p:spPr>
@@ -6914,10 +7588,10 @@
             </a:prstGeom>
           </p:spPr>
           <p:txBody>
-            <a:bodyPr anchor="ctr" rtlCol="false" tIns="50800" lIns="50800" bIns="50800" rIns="50800"/>
+            <a:bodyPr lIns="50800" tIns="50800" rIns="50800" bIns="50800" rtlCol="0" anchor="ctr"/>
             <a:lstStyle/>
             <a:p>
-              <a:pPr algn="ctr" marL="0" indent="0" lvl="0">
+              <a:pPr marL="0" lvl="0" indent="0" algn="ctr">
                 <a:lnSpc>
                   <a:spcPts val="2266"/>
                 </a:lnSpc>
@@ -6925,18 +7599,19 @@
                   <a:spcPct val="0"/>
                 </a:spcBef>
               </a:pPr>
+              <a:endParaRPr/>
             </a:p>
           </p:txBody>
         </p:sp>
       </p:grpSp>
       <p:sp>
         <p:nvSpPr>
-          <p:cNvPr name="TextBox 36" id="36"/>
-          <p:cNvSpPr txBox="true"/>
-          <p:nvPr/>
-        </p:nvSpPr>
-        <p:spPr>
-          <a:xfrm rot="0">
+          <p:cNvPr id="36" name="TextBox 36"/>
+          <p:cNvSpPr txBox="1"/>
+          <p:nvPr/>
+        </p:nvSpPr>
+        <p:spPr>
+          <a:xfrm>
             <a:off x="14803430" y="5554521"/>
             <a:ext cx="2197323" cy="679451"/>
           </a:xfrm>
@@ -6945,7 +7620,7 @@
           </a:prstGeom>
         </p:spPr>
         <p:txBody>
-          <a:bodyPr anchor="t" rtlCol="false" tIns="0" lIns="0" bIns="0" rIns="0">
+          <a:bodyPr lIns="0" tIns="0" rIns="0" bIns="0" rtlCol="0" anchor="t">
             <a:spAutoFit/>
           </a:bodyPr>
           <a:lstStyle/>
@@ -6956,7 +7631,7 @@
               </a:lnSpc>
             </a:pPr>
             <a:r>
-              <a:rPr lang="en-US" sz="5000" b="true">
+              <a:rPr lang="en-US" sz="5000" b="1">
                 <a:solidFill>
                   <a:srgbClr val="000000"/>
                 </a:solidFill>
@@ -6972,12 +7647,12 @@
       </p:sp>
       <p:sp>
         <p:nvSpPr>
-          <p:cNvPr name="TextBox 37" id="37"/>
-          <p:cNvSpPr txBox="true"/>
-          <p:nvPr/>
-        </p:nvSpPr>
-        <p:spPr>
-          <a:xfrm rot="0">
+          <p:cNvPr id="37" name="TextBox 37"/>
+          <p:cNvSpPr txBox="1"/>
+          <p:nvPr/>
+        </p:nvSpPr>
+        <p:spPr>
+          <a:xfrm>
             <a:off x="14803430" y="6367322"/>
             <a:ext cx="2646492" cy="375286"/>
           </a:xfrm>
@@ -6986,12 +7661,12 @@
           </a:prstGeom>
         </p:spPr>
         <p:txBody>
-          <a:bodyPr anchor="t" rtlCol="false" tIns="0" lIns="0" bIns="0" rIns="0">
+          <a:bodyPr lIns="0" tIns="0" rIns="0" bIns="0" rtlCol="0" anchor="t">
             <a:spAutoFit/>
           </a:bodyPr>
           <a:lstStyle/>
           <a:p>
-            <a:pPr algn="l" marL="0" indent="0" lvl="0">
+            <a:pPr marL="0" lvl="0" indent="0" algn="l">
               <a:lnSpc>
                 <a:spcPts val="3119"/>
               </a:lnSpc>
@@ -7000,7 +7675,7 @@
               </a:spcBef>
             </a:pPr>
             <a:r>
-              <a:rPr lang="en-US" sz="1999" strike="noStrike" u="none">
+              <a:rPr lang="en-US" sz="1999" u="none" strike="noStrike">
                 <a:solidFill>
                   <a:srgbClr val="000000"/>
                 </a:solidFill>
@@ -7022,8 +7697,8 @@
 </p:sld>
 </file>
 
-<file path=ppt/slides/slide8.xml><?xml version="1.0" encoding="utf-8"?>
-<p:sld xmlns:p="http://schemas.openxmlformats.org/presentationml/2006/main" xmlns:a="http://schemas.openxmlformats.org/drawingml/2006/main" xmlns:r="http://schemas.openxmlformats.org/officeDocument/2006/relationships">
+<file path=ppt/slides/slide9.xml><?xml version="1.0" encoding="utf-8"?>
+<p:sld xmlns:a="http://schemas.openxmlformats.org/drawingml/2006/main" xmlns:r="http://schemas.openxmlformats.org/officeDocument/2006/relationships" xmlns:p="http://schemas.openxmlformats.org/presentationml/2006/main">
   <p:cSld>
     <p:spTree>
       <p:nvGrpSpPr>
@@ -7041,12 +7716,12 @@
       </p:grpSpPr>
       <p:sp>
         <p:nvSpPr>
-          <p:cNvPr name="Freeform 2" id="2"/>
+          <p:cNvPr id="2" name="Freeform 2"/>
           <p:cNvSpPr/>
           <p:nvPr/>
         </p:nvSpPr>
         <p:spPr>
-          <a:xfrm flipH="false" flipV="false" rot="-5400000">
+          <a:xfrm rot="-5400000">
             <a:off x="4000500" y="-4000500"/>
             <a:ext cx="10287000" cy="18288000"/>
           </a:xfrm>
@@ -7055,9 +7730,9 @@
             <a:gdLst/>
             <a:ahLst/>
             <a:cxnLst/>
-            <a:rect r="r" b="b" t="t" l="l"/>
+            <a:rect l="l" t="t" r="r" b="b"/>
             <a:pathLst>
-              <a:path h="18288000" w="10287000">
+              <a:path w="10287000" h="18288000">
                 <a:moveTo>
                   <a:pt x="10287000" y="0"/>
                 </a:moveTo>
@@ -7087,12 +7762,12 @@
       </p:sp>
       <p:sp>
         <p:nvSpPr>
-          <p:cNvPr name="Freeform 3" id="3"/>
+          <p:cNvPr id="3" name="Freeform 3"/>
           <p:cNvSpPr/>
           <p:nvPr/>
         </p:nvSpPr>
         <p:spPr>
-          <a:xfrm flipH="false" flipV="false" rot="0">
+          <a:xfrm>
             <a:off x="-2329398" y="8614893"/>
             <a:ext cx="4899948" cy="3344214"/>
           </a:xfrm>
@@ -7101,9 +7776,9 @@
             <a:gdLst/>
             <a:ahLst/>
             <a:cxnLst/>
-            <a:rect r="r" b="b" t="t" l="l"/>
+            <a:rect l="l" t="t" r="r" b="b"/>
             <a:pathLst>
-              <a:path h="3344214" w="4899948">
+              <a:path w="4899948" h="3344214">
                 <a:moveTo>
                   <a:pt x="0" y="0"/>
                 </a:moveTo>
@@ -7132,19 +7807,19 @@
               </a:extLst>
             </a:blip>
             <a:stretch>
-              <a:fillRect l="0" t="0" r="0" b="0"/>
+              <a:fillRect/>
             </a:stretch>
           </a:blipFill>
         </p:spPr>
       </p:sp>
       <p:sp>
         <p:nvSpPr>
-          <p:cNvPr name="Freeform 4" id="4"/>
+          <p:cNvPr id="4" name="Freeform 4"/>
           <p:cNvSpPr/>
           <p:nvPr/>
         </p:nvSpPr>
         <p:spPr>
-          <a:xfrm flipH="false" flipV="false" rot="0">
+          <a:xfrm>
             <a:off x="6030709" y="9258300"/>
             <a:ext cx="3059829" cy="751049"/>
           </a:xfrm>
@@ -7153,9 +7828,9 @@
             <a:gdLst/>
             <a:ahLst/>
             <a:cxnLst/>
-            <a:rect r="r" b="b" t="t" l="l"/>
+            <a:rect l="l" t="t" r="r" b="b"/>
             <a:pathLst>
-              <a:path h="751049" w="3059829">
+              <a:path w="3059829" h="751049">
                 <a:moveTo>
                   <a:pt x="0" y="0"/>
                 </a:moveTo>
@@ -7184,19 +7859,19 @@
               </a:extLst>
             </a:blip>
             <a:stretch>
-              <a:fillRect l="0" t="0" r="0" b="0"/>
+              <a:fillRect/>
             </a:stretch>
           </a:blipFill>
         </p:spPr>
       </p:sp>
       <p:sp>
         <p:nvSpPr>
-          <p:cNvPr name="Freeform 5" id="5"/>
+          <p:cNvPr id="5" name="Freeform 5"/>
           <p:cNvSpPr/>
           <p:nvPr/>
         </p:nvSpPr>
         <p:spPr>
-          <a:xfrm flipH="false" flipV="false" rot="0">
+          <a:xfrm>
             <a:off x="14215205" y="8540136"/>
             <a:ext cx="4602314" cy="3618569"/>
           </a:xfrm>
@@ -7205,9 +7880,9 @@
             <a:gdLst/>
             <a:ahLst/>
             <a:cxnLst/>
-            <a:rect r="r" b="b" t="t" l="l"/>
+            <a:rect l="l" t="t" r="r" b="b"/>
             <a:pathLst>
-              <a:path h="3618569" w="4602314">
+              <a:path w="4602314" h="3618569">
                 <a:moveTo>
                   <a:pt x="0" y="0"/>
                 </a:moveTo>
@@ -7236,7 +7911,7 @@
               </a:extLst>
             </a:blip>
             <a:stretch>
-              <a:fillRect l="0" t="0" r="0" b="0"/>
+              <a:fillRect/>
             </a:stretch>
           </a:blipFill>
           <a:ln cap="sq">
@@ -7248,12 +7923,12 @@
       </p:sp>
       <p:sp>
         <p:nvSpPr>
-          <p:cNvPr name="Freeform 6" id="6"/>
+          <p:cNvPr id="6" name="Freeform 6"/>
           <p:cNvSpPr/>
           <p:nvPr/>
         </p:nvSpPr>
         <p:spPr>
-          <a:xfrm flipH="false" flipV="false" rot="0">
+          <a:xfrm>
             <a:off x="-674156" y="-1072630"/>
             <a:ext cx="4899948" cy="3068592"/>
           </a:xfrm>
@@ -7262,9 +7937,9 @@
             <a:gdLst/>
             <a:ahLst/>
             <a:cxnLst/>
-            <a:rect r="r" b="b" t="t" l="l"/>
+            <a:rect l="l" t="t" r="r" b="b"/>
             <a:pathLst>
-              <a:path h="3068592" w="4899948">
+              <a:path w="4899948" h="3068592">
                 <a:moveTo>
                   <a:pt x="0" y="0"/>
                 </a:moveTo>
@@ -7293,7 +7968,7 @@
               </a:extLst>
             </a:blip>
             <a:stretch>
-              <a:fillRect l="0" t="0" r="0" b="0"/>
+              <a:fillRect/>
             </a:stretch>
           </a:blipFill>
           <a:ln cap="sq">
@@ -7305,12 +7980,12 @@
       </p:sp>
       <p:sp>
         <p:nvSpPr>
-          <p:cNvPr name="Freeform 7" id="7"/>
+          <p:cNvPr id="7" name="Freeform 7"/>
           <p:cNvSpPr/>
           <p:nvPr/>
         </p:nvSpPr>
         <p:spPr>
-          <a:xfrm flipH="false" flipV="false" rot="0">
+          <a:xfrm>
             <a:off x="12686214" y="-2578193"/>
             <a:ext cx="4292424" cy="3870986"/>
           </a:xfrm>
@@ -7319,9 +7994,9 @@
             <a:gdLst/>
             <a:ahLst/>
             <a:cxnLst/>
-            <a:rect r="r" b="b" t="t" l="l"/>
+            <a:rect l="l" t="t" r="r" b="b"/>
             <a:pathLst>
-              <a:path h="3870986" w="4292424">
+              <a:path w="4292424" h="3870986">
                 <a:moveTo>
                   <a:pt x="0" y="0"/>
                 </a:moveTo>
@@ -7350,7 +8025,7 @@
               </a:extLst>
             </a:blip>
             <a:stretch>
-              <a:fillRect l="0" t="0" r="0" b="0"/>
+              <a:fillRect/>
             </a:stretch>
           </a:blipFill>
           <a:ln cap="sq">
@@ -7362,12 +8037,12 @@
       </p:sp>
       <p:sp>
         <p:nvSpPr>
-          <p:cNvPr name="Freeform 8" id="8"/>
+          <p:cNvPr id="8" name="Freeform 8"/>
           <p:cNvSpPr/>
           <p:nvPr/>
         </p:nvSpPr>
         <p:spPr>
-          <a:xfrm flipH="false" flipV="false" rot="0">
+          <a:xfrm>
             <a:off x="10138935" y="9258300"/>
             <a:ext cx="4076270" cy="2863579"/>
           </a:xfrm>
@@ -7376,9 +8051,9 @@
             <a:gdLst/>
             <a:ahLst/>
             <a:cxnLst/>
-            <a:rect r="r" b="b" t="t" l="l"/>
+            <a:rect l="l" t="t" r="r" b="b"/>
             <a:pathLst>
-              <a:path h="2863579" w="4076270">
+              <a:path w="4076270" h="2863579">
                 <a:moveTo>
                   <a:pt x="0" y="0"/>
                 </a:moveTo>
@@ -7407,7 +8082,7 @@
               </a:extLst>
             </a:blip>
             <a:stretch>
-              <a:fillRect l="0" t="0" r="0" b="0"/>
+              <a:fillRect/>
             </a:stretch>
           </a:blipFill>
           <a:ln cap="sq">
@@ -7419,12 +8094,12 @@
       </p:sp>
       <p:sp>
         <p:nvSpPr>
-          <p:cNvPr name="Freeform 9" id="9"/>
+          <p:cNvPr id="9" name="Freeform 9"/>
           <p:cNvSpPr/>
           <p:nvPr/>
         </p:nvSpPr>
         <p:spPr>
-          <a:xfrm flipH="false" flipV="false" rot="0">
+          <a:xfrm>
             <a:off x="7409323" y="-2700100"/>
             <a:ext cx="5493058" cy="4114800"/>
           </a:xfrm>
@@ -7433,9 +8108,9 @@
             <a:gdLst/>
             <a:ahLst/>
             <a:cxnLst/>
-            <a:rect r="r" b="b" t="t" l="l"/>
+            <a:rect l="l" t="t" r="r" b="b"/>
             <a:pathLst>
-              <a:path h="4114800" w="5493058">
+              <a:path w="5493058" h="4114800">
                 <a:moveTo>
                   <a:pt x="0" y="0"/>
                 </a:moveTo>
@@ -7464,7 +8139,7 @@
               </a:extLst>
             </a:blip>
             <a:stretch>
-              <a:fillRect l="0" t="0" r="0" b="0"/>
+              <a:fillRect/>
             </a:stretch>
           </a:blipFill>
           <a:ln cap="sq">
@@ -7476,12 +8151,12 @@
       </p:sp>
       <p:sp>
         <p:nvSpPr>
-          <p:cNvPr name="Freeform 10" id="10"/>
+          <p:cNvPr id="10" name="Freeform 10"/>
           <p:cNvSpPr/>
           <p:nvPr/>
         </p:nvSpPr>
         <p:spPr>
-          <a:xfrm flipH="false" flipV="false" rot="4747568">
+          <a:xfrm rot="4747568">
             <a:off x="-2972342" y="3665317"/>
             <a:ext cx="4896097" cy="2735694"/>
           </a:xfrm>
@@ -7490,9 +8165,9 @@
             <a:gdLst/>
             <a:ahLst/>
             <a:cxnLst/>
-            <a:rect r="r" b="b" t="t" l="l"/>
+            <a:rect l="l" t="t" r="r" b="b"/>
             <a:pathLst>
-              <a:path h="2735694" w="4896097">
+              <a:path w="4896097" h="2735694">
                 <a:moveTo>
                   <a:pt x="0" y="0"/>
                 </a:moveTo>
@@ -7521,7 +8196,7 @@
               </a:extLst>
             </a:blip>
             <a:stretch>
-              <a:fillRect l="0" t="0" r="0" b="0"/>
+              <a:fillRect/>
             </a:stretch>
           </a:blipFill>
           <a:ln cap="sq">
@@ -7533,12 +8208,12 @@
       </p:sp>
       <p:sp>
         <p:nvSpPr>
-          <p:cNvPr name="Freeform 11" id="11"/>
+          <p:cNvPr id="11" name="Freeform 11"/>
           <p:cNvSpPr/>
           <p:nvPr/>
         </p:nvSpPr>
         <p:spPr>
-          <a:xfrm flipH="false" flipV="false" rot="0">
+          <a:xfrm>
             <a:off x="4831481" y="-1626507"/>
             <a:ext cx="2892762" cy="2919301"/>
           </a:xfrm>
@@ -7547,9 +8222,9 @@
             <a:gdLst/>
             <a:ahLst/>
             <a:cxnLst/>
-            <a:rect r="r" b="b" t="t" l="l"/>
+            <a:rect l="l" t="t" r="r" b="b"/>
             <a:pathLst>
-              <a:path h="2919301" w="2892762">
+              <a:path w="2892762" h="2919301">
                 <a:moveTo>
                   <a:pt x="0" y="0"/>
                 </a:moveTo>
@@ -7578,7 +8253,7 @@
               </a:extLst>
             </a:blip>
             <a:stretch>
-              <a:fillRect l="0" t="0" r="0" b="0"/>
+              <a:fillRect/>
             </a:stretch>
           </a:blipFill>
           <a:ln cap="sq">
@@ -7590,12 +8265,12 @@
       </p:sp>
       <p:sp>
         <p:nvSpPr>
-          <p:cNvPr name="Freeform 12" id="12"/>
+          <p:cNvPr id="12" name="Freeform 12"/>
           <p:cNvSpPr/>
           <p:nvPr/>
         </p:nvSpPr>
         <p:spPr>
-          <a:xfrm flipH="false" flipV="false" rot="0">
+          <a:xfrm>
             <a:off x="17259300" y="2262342"/>
             <a:ext cx="3575541" cy="3575541"/>
           </a:xfrm>
@@ -7604,9 +8279,9 @@
             <a:gdLst/>
             <a:ahLst/>
             <a:cxnLst/>
-            <a:rect r="r" b="b" t="t" l="l"/>
+            <a:rect l="l" t="t" r="r" b="b"/>
             <a:pathLst>
-              <a:path h="3575541" w="3575541">
+              <a:path w="3575541" h="3575541">
                 <a:moveTo>
                   <a:pt x="0" y="0"/>
                 </a:moveTo>
@@ -7635,7 +8310,7 @@
               </a:extLst>
             </a:blip>
             <a:stretch>
-              <a:fillRect l="0" t="0" r="0" b="0"/>
+              <a:fillRect/>
             </a:stretch>
           </a:blipFill>
           <a:ln cap="sq">
@@ -7647,12 +8322,12 @@
       </p:sp>
       <p:sp>
         <p:nvSpPr>
-          <p:cNvPr name="Freeform 13" id="13"/>
+          <p:cNvPr id="13" name="Freeform 13"/>
           <p:cNvSpPr/>
           <p:nvPr/>
         </p:nvSpPr>
         <p:spPr>
-          <a:xfrm flipH="false" flipV="false" rot="0">
+          <a:xfrm>
             <a:off x="2570549" y="9093737"/>
             <a:ext cx="2587020" cy="2386526"/>
           </a:xfrm>
@@ -7661,9 +8336,9 @@
             <a:gdLst/>
             <a:ahLst/>
             <a:cxnLst/>
-            <a:rect r="r" b="b" t="t" l="l"/>
+            <a:rect l="l" t="t" r="r" b="b"/>
             <a:pathLst>
-              <a:path h="2386526" w="2587020">
+              <a:path w="2587020" h="2386526">
                 <a:moveTo>
                   <a:pt x="0" y="0"/>
                 </a:moveTo>
@@ -7692,7 +8367,7 @@
               </a:extLst>
             </a:blip>
             <a:stretch>
-              <a:fillRect l="0" t="0" r="0" b="0"/>
+              <a:fillRect/>
             </a:stretch>
           </a:blipFill>
           <a:ln cap="sq">
@@ -7704,12 +8379,12 @@
       </p:sp>
       <p:sp>
         <p:nvSpPr>
-          <p:cNvPr name="Freeform 14" id="14"/>
+          <p:cNvPr id="14" name="Freeform 14"/>
           <p:cNvSpPr/>
           <p:nvPr/>
         </p:nvSpPr>
         <p:spPr>
-          <a:xfrm flipH="false" flipV="false" rot="-5282649">
+          <a:xfrm rot="-5282649">
             <a:off x="16440369" y="6970869"/>
             <a:ext cx="3382987" cy="1154444"/>
           </a:xfrm>
@@ -7718,9 +8393,9 @@
             <a:gdLst/>
             <a:ahLst/>
             <a:cxnLst/>
-            <a:rect r="r" b="b" t="t" l="l"/>
+            <a:rect l="l" t="t" r="r" b="b"/>
             <a:pathLst>
-              <a:path h="1154444" w="3382987">
+              <a:path w="3382987" h="1154444">
                 <a:moveTo>
                   <a:pt x="0" y="0"/>
                 </a:moveTo>
@@ -7749,7 +8424,7 @@
               </a:extLst>
             </a:blip>
             <a:stretch>
-              <a:fillRect l="0" t="0" r="0" b="0"/>
+              <a:fillRect/>
             </a:stretch>
           </a:blipFill>
           <a:ln cap="sq">
@@ -7761,12 +8436,12 @@
       </p:sp>
       <p:sp>
         <p:nvSpPr>
-          <p:cNvPr name="Freeform 15" id="15"/>
+          <p:cNvPr id="15" name="Freeform 15"/>
           <p:cNvSpPr/>
           <p:nvPr/>
         </p:nvSpPr>
         <p:spPr>
-          <a:xfrm flipH="false" flipV="false" rot="0">
+          <a:xfrm>
             <a:off x="16978638" y="-642644"/>
             <a:ext cx="3104522" cy="3342688"/>
           </a:xfrm>
@@ -7775,9 +8450,9 @@
             <a:gdLst/>
             <a:ahLst/>
             <a:cxnLst/>
-            <a:rect r="r" b="b" t="t" l="l"/>
+            <a:rect l="l" t="t" r="r" b="b"/>
             <a:pathLst>
-              <a:path h="3342688" w="3104522">
+              <a:path w="3104522" h="3342688">
                 <a:moveTo>
                   <a:pt x="0" y="0"/>
                 </a:moveTo>
@@ -7806,7 +8481,7 @@
               </a:extLst>
             </a:blip>
             <a:stretch>
-              <a:fillRect l="0" t="0" r="0" b="0"/>
+              <a:fillRect/>
             </a:stretch>
           </a:blipFill>
           <a:ln cap="sq">
@@ -7818,12 +8493,12 @@
       </p:sp>
       <p:sp>
         <p:nvSpPr>
-          <p:cNvPr name="TextBox 16" id="16"/>
-          <p:cNvSpPr txBox="true"/>
-          <p:nvPr/>
-        </p:nvSpPr>
-        <p:spPr>
-          <a:xfrm rot="0">
+          <p:cNvPr id="16" name="TextBox 16"/>
+          <p:cNvSpPr txBox="1"/>
+          <p:nvPr/>
+        </p:nvSpPr>
+        <p:spPr>
+          <a:xfrm>
             <a:off x="3688802" y="3019867"/>
             <a:ext cx="10910396" cy="3364511"/>
           </a:xfrm>
@@ -7832,7 +8507,7 @@
           </a:prstGeom>
         </p:spPr>
         <p:txBody>
-          <a:bodyPr anchor="t" rtlCol="false" tIns="0" lIns="0" bIns="0" rIns="0">
+          <a:bodyPr lIns="0" tIns="0" rIns="0" bIns="0" rtlCol="0" anchor="t">
             <a:spAutoFit/>
           </a:bodyPr>
           <a:lstStyle/>
@@ -7843,7 +8518,7 @@
               </a:lnSpc>
             </a:pPr>
             <a:r>
-              <a:rPr lang="en-US" b="true" sz="14597">
+              <a:rPr lang="en-US" sz="14597" b="1">
                 <a:solidFill>
                   <a:srgbClr val="000000"/>
                 </a:solidFill>
